--- a/Euclid.pptx
+++ b/Euclid.pptx
@@ -7,9 +7,17 @@
   <p:sldIdLst>
     <p:sldId id="256" r:id="rId2"/>
     <p:sldId id="258" r:id="rId3"/>
-    <p:sldId id="259" r:id="rId4"/>
-    <p:sldId id="257" r:id="rId5"/>
-    <p:sldId id="260" r:id="rId6"/>
+    <p:sldId id="257" r:id="rId4"/>
+    <p:sldId id="261" r:id="rId5"/>
+    <p:sldId id="259" r:id="rId6"/>
+    <p:sldId id="262" r:id="rId7"/>
+    <p:sldId id="263" r:id="rId8"/>
+    <p:sldId id="264" r:id="rId9"/>
+    <p:sldId id="265" r:id="rId10"/>
+    <p:sldId id="266" r:id="rId11"/>
+    <p:sldId id="267" r:id="rId12"/>
+    <p:sldId id="268" r:id="rId13"/>
+    <p:sldId id="260" r:id="rId14"/>
   </p:sldIdLst>
   <p:sldSz cx="12192000" cy="6858000"/>
   <p:notesSz cx="6858000" cy="9144000"/>
@@ -108,6 +116,11 @@
       </a:defRPr>
     </a:lvl9pPr>
   </p:defaultTextStyle>
+  <p:extLst>
+    <p:ext uri="{EFAFB233-063F-42B5-8137-9DF3F51BA10A}">
+      <p15:sldGuideLst xmlns:p15="http://schemas.microsoft.com/office/powerpoint/2012/main"/>
+    </p:ext>
+  </p:extLst>
 </p:presentation>
 </file>
 
@@ -292,7 +305,7 @@
           <a:p>
             <a:fld id="{96DFF08F-DC6B-4601-B491-B0F83F6DD2DA}" type="datetimeFigureOut">
               <a:rPr lang="en-US" smtClean="0"/>
-              <a:t>3/19/2015</a:t>
+              <a:t>3/22/2015</a:t>
             </a:fld>
             <a:endParaRPr lang="en-US" dirty="0"/>
           </a:p>
@@ -462,7 +475,7 @@
           <a:p>
             <a:fld id="{96DFF08F-DC6B-4601-B491-B0F83F6DD2DA}" type="datetimeFigureOut">
               <a:rPr lang="en-US" smtClean="0"/>
-              <a:t>3/19/2015</a:t>
+              <a:t>3/22/2015</a:t>
             </a:fld>
             <a:endParaRPr lang="en-US" dirty="0"/>
           </a:p>
@@ -685,7 +698,7 @@
           <a:p>
             <a:fld id="{96DFF08F-DC6B-4601-B491-B0F83F6DD2DA}" type="datetimeFigureOut">
               <a:rPr lang="en-US" smtClean="0"/>
-              <a:t>3/19/2015</a:t>
+              <a:t>3/22/2015</a:t>
             </a:fld>
             <a:endParaRPr lang="en-US" dirty="0"/>
           </a:p>
@@ -865,7 +878,7 @@
           <a:p>
             <a:fld id="{96DFF08F-DC6B-4601-B491-B0F83F6DD2DA}" type="datetimeFigureOut">
               <a:rPr lang="en-US" smtClean="0"/>
-              <a:t>3/19/2015</a:t>
+              <a:t>3/22/2015</a:t>
             </a:fld>
             <a:endParaRPr lang="en-US" dirty="0"/>
           </a:p>
@@ -1172,7 +1185,7 @@
             <a:fld id="{96DFF08F-DC6B-4601-B491-B0F83F6DD2DA}" type="datetimeFigureOut">
               <a:rPr lang="en-US" smtClean="0"/>
               <a:pPr/>
-              <a:t>3/19/2015</a:t>
+              <a:t>3/22/2015</a:t>
             </a:fld>
             <a:endParaRPr lang="en-US" dirty="0"/>
           </a:p>
@@ -1477,7 +1490,7 @@
           <a:p>
             <a:fld id="{96DFF08F-DC6B-4601-B491-B0F83F6DD2DA}" type="datetimeFigureOut">
               <a:rPr lang="en-US" smtClean="0"/>
-              <a:t>3/19/2015</a:t>
+              <a:t>3/22/2015</a:t>
             </a:fld>
             <a:endParaRPr lang="en-US" dirty="0"/>
           </a:p>
@@ -1899,7 +1912,7 @@
           <a:p>
             <a:fld id="{96DFF08F-DC6B-4601-B491-B0F83F6DD2DA}" type="datetimeFigureOut">
               <a:rPr lang="en-US" smtClean="0"/>
-              <a:t>3/19/2015</a:t>
+              <a:t>3/22/2015</a:t>
             </a:fld>
             <a:endParaRPr lang="en-US" dirty="0"/>
           </a:p>
@@ -2017,7 +2030,7 @@
           <a:p>
             <a:fld id="{96DFF08F-DC6B-4601-B491-B0F83F6DD2DA}" type="datetimeFigureOut">
               <a:rPr lang="en-US" smtClean="0"/>
-              <a:t>3/19/2015</a:t>
+              <a:t>3/22/2015</a:t>
             </a:fld>
             <a:endParaRPr lang="en-US" dirty="0"/>
           </a:p>
@@ -2112,7 +2125,7 @@
           <a:p>
             <a:fld id="{96DFF08F-DC6B-4601-B491-B0F83F6DD2DA}" type="datetimeFigureOut">
               <a:rPr lang="en-US" smtClean="0"/>
-              <a:t>3/19/2015</a:t>
+              <a:t>3/22/2015</a:t>
             </a:fld>
             <a:endParaRPr lang="en-US" dirty="0"/>
           </a:p>
@@ -2385,7 +2398,7 @@
           <a:p>
             <a:fld id="{96DFF08F-DC6B-4601-B491-B0F83F6DD2DA}" type="datetimeFigureOut">
               <a:rPr lang="en-US" smtClean="0"/>
-              <a:t>3/19/2015</a:t>
+              <a:t>3/22/2015</a:t>
             </a:fld>
             <a:endParaRPr lang="en-US" dirty="0"/>
           </a:p>
@@ -2650,7 +2663,7 @@
           <a:p>
             <a:fld id="{96DFF08F-DC6B-4601-B491-B0F83F6DD2DA}" type="datetimeFigureOut">
               <a:rPr lang="en-US" smtClean="0"/>
-              <a:t>3/19/2015</a:t>
+              <a:t>3/22/2015</a:t>
             </a:fld>
             <a:endParaRPr lang="en-US" dirty="0"/>
           </a:p>
@@ -2900,7 +2913,7 @@
             <a:fld id="{96DFF08F-DC6B-4601-B491-B0F83F6DD2DA}" type="datetimeFigureOut">
               <a:rPr lang="en-US" smtClean="0"/>
               <a:pPr/>
-              <a:t>3/19/2015</a:t>
+              <a:t>3/22/2015</a:t>
             </a:fld>
             <a:endParaRPr lang="en-US" dirty="0"/>
           </a:p>
@@ -3396,9 +3409,74 @@
           <a:p>
             <a:r>
               <a:rPr lang="en-US" dirty="0" smtClean="0"/>
-              <a:t>Education User-Client Learning Integrated Database</a:t>
-            </a:r>
+              <a:t>Education User-Client Learning Integrated </a:t>
+            </a:r>
+            <a:r>
+              <a:rPr lang="en-US" dirty="0" smtClean="0"/>
+              <a:t>Database</a:t>
+            </a:r>
+          </a:p>
+          <a:p>
             <a:endParaRPr lang="en-US" dirty="0"/>
+          </a:p>
+          <a:p>
+            <a:r>
+              <a:rPr lang="en-US" sz="1400" i="1" dirty="0" smtClean="0">
+                <a:solidFill>
+                  <a:schemeClr val="tx1">
+                    <a:lumMod val="65000"/>
+                  </a:schemeClr>
+                </a:solidFill>
+              </a:rPr>
+              <a:t>Bray </a:t>
+            </a:r>
+            <a:r>
+              <a:rPr lang="en-US" sz="1400" i="1" dirty="0" err="1" smtClean="0">
+                <a:solidFill>
+                  <a:schemeClr val="tx1">
+                    <a:lumMod val="65000"/>
+                  </a:schemeClr>
+                </a:solidFill>
+              </a:rPr>
+              <a:t>Schurman</a:t>
+            </a:r>
+            <a:r>
+              <a:rPr lang="en-US" sz="1400" i="1" dirty="0" smtClean="0">
+                <a:solidFill>
+                  <a:schemeClr val="tx1">
+                    <a:lumMod val="65000"/>
+                  </a:schemeClr>
+                </a:solidFill>
+              </a:rPr>
+              <a:t>, Sam </a:t>
+            </a:r>
+            <a:r>
+              <a:rPr lang="en-US" sz="1400" i="1" dirty="0" err="1" smtClean="0">
+                <a:solidFill>
+                  <a:schemeClr val="tx1">
+                    <a:lumMod val="65000"/>
+                  </a:schemeClr>
+                </a:solidFill>
+              </a:rPr>
+              <a:t>Doiron</a:t>
+            </a:r>
+            <a:r>
+              <a:rPr lang="en-US" sz="1400" i="1" dirty="0" smtClean="0">
+                <a:solidFill>
+                  <a:schemeClr val="tx1">
+                    <a:lumMod val="65000"/>
+                  </a:schemeClr>
+                </a:solidFill>
+              </a:rPr>
+              <a:t>, Nick McDonald, Aaron Hourie</a:t>
+            </a:r>
+            <a:endParaRPr lang="en-US" sz="1400" i="1" dirty="0" smtClean="0">
+              <a:solidFill>
+                <a:schemeClr val="tx1">
+                  <a:lumMod val="65000"/>
+                </a:schemeClr>
+              </a:solidFill>
+            </a:endParaRPr>
           </a:p>
         </p:txBody>
       </p:sp>
@@ -3422,6 +3500,523 @@
 </p:sld>
 </file>
 
+<file path=ppt/slides/slide10.xml><?xml version="1.0" encoding="utf-8"?>
+<p:sld xmlns:a="http://schemas.openxmlformats.org/drawingml/2006/main" xmlns:r="http://schemas.openxmlformats.org/officeDocument/2006/relationships" xmlns:p="http://schemas.openxmlformats.org/presentationml/2006/main">
+  <p:cSld>
+    <p:spTree>
+      <p:nvGrpSpPr>
+        <p:cNvPr id="1" name=""/>
+        <p:cNvGrpSpPr/>
+        <p:nvPr/>
+      </p:nvGrpSpPr>
+      <p:grpSpPr>
+        <a:xfrm>
+          <a:off x="0" y="0"/>
+          <a:ext cx="0" cy="0"/>
+          <a:chOff x="0" y="0"/>
+          <a:chExt cx="0" cy="0"/>
+        </a:xfrm>
+      </p:grpSpPr>
+      <p:sp>
+        <p:nvSpPr>
+          <p:cNvPr id="2" name="Title 1"/>
+          <p:cNvSpPr>
+            <a:spLocks noGrp="1"/>
+          </p:cNvSpPr>
+          <p:nvPr>
+            <p:ph type="title"/>
+          </p:nvPr>
+        </p:nvSpPr>
+        <p:spPr/>
+        <p:txBody>
+          <a:bodyPr/>
+          <a:lstStyle/>
+          <a:p>
+            <a:r>
+              <a:rPr lang="en-US" dirty="0"/>
+              <a:t>Queries </a:t>
+            </a:r>
+            <a:r>
+              <a:rPr lang="en-US" sz="2400" i="1" dirty="0"/>
+              <a:t>cont.</a:t>
+            </a:r>
+            <a:endParaRPr lang="en-US" dirty="0"/>
+          </a:p>
+        </p:txBody>
+      </p:sp>
+      <p:pic>
+        <p:nvPicPr>
+          <p:cNvPr id="4" name="Picture 3"/>
+          <p:cNvPicPr>
+            <a:picLocks noChangeAspect="1"/>
+          </p:cNvPicPr>
+          <p:nvPr/>
+        </p:nvPicPr>
+        <p:blipFill>
+          <a:blip r:embed="rId2"/>
+          <a:stretch>
+            <a:fillRect/>
+          </a:stretch>
+        </p:blipFill>
+        <p:spPr>
+          <a:xfrm>
+            <a:off x="3828383" y="5149876"/>
+            <a:ext cx="4336951" cy="922338"/>
+          </a:xfrm>
+          <a:prstGeom prst="rect">
+            <a:avLst/>
+          </a:prstGeom>
+        </p:spPr>
+      </p:pic>
+      <p:sp>
+        <p:nvSpPr>
+          <p:cNvPr id="5" name="Rectangle 4"/>
+          <p:cNvSpPr/>
+          <p:nvPr/>
+        </p:nvSpPr>
+        <p:spPr>
+          <a:xfrm>
+            <a:off x="0" y="2833814"/>
+            <a:ext cx="12192000" cy="400110"/>
+          </a:xfrm>
+          <a:prstGeom prst="rect">
+            <a:avLst/>
+          </a:prstGeom>
+        </p:spPr>
+        <p:txBody>
+          <a:bodyPr wrap="square">
+            <a:spAutoFit/>
+          </a:bodyPr>
+          <a:lstStyle/>
+          <a:p>
+            <a:pPr algn="ctr"/>
+            <a:r>
+              <a:rPr lang="en-US" sz="2000" b="1" dirty="0" smtClean="0"/>
+              <a:t>A </a:t>
+            </a:r>
+            <a:r>
+              <a:rPr lang="en-US" sz="2000" b="1" dirty="0"/>
+              <a:t>teacher wants to see the average mark on one </a:t>
+            </a:r>
+            <a:r>
+              <a:rPr lang="en-US" sz="2000" b="1" dirty="0" smtClean="0"/>
+              <a:t>assignment</a:t>
+            </a:r>
+            <a:endParaRPr lang="en-US" sz="2000" b="1" dirty="0"/>
+          </a:p>
+        </p:txBody>
+      </p:sp>
+      <p:pic>
+        <p:nvPicPr>
+          <p:cNvPr id="6" name="Picture 5"/>
+          <p:cNvPicPr>
+            <a:picLocks noChangeAspect="1"/>
+          </p:cNvPicPr>
+          <p:nvPr/>
+        </p:nvPicPr>
+        <p:blipFill rotWithShape="1">
+          <a:blip r:embed="rId3"/>
+          <a:srcRect t="32223"/>
+          <a:stretch/>
+        </p:blipFill>
+        <p:spPr>
+          <a:xfrm>
+            <a:off x="2001978" y="3575950"/>
+            <a:ext cx="7989763" cy="1066800"/>
+          </a:xfrm>
+          <a:prstGeom prst="rect">
+            <a:avLst/>
+          </a:prstGeom>
+        </p:spPr>
+      </p:pic>
+    </p:spTree>
+    <p:extLst>
+      <p:ext uri="{BB962C8B-B14F-4D97-AF65-F5344CB8AC3E}">
+        <p14:creationId xmlns:p14="http://schemas.microsoft.com/office/powerpoint/2010/main" val="959174765"/>
+      </p:ext>
+    </p:extLst>
+  </p:cSld>
+  <p:clrMapOvr>
+    <a:masterClrMapping/>
+  </p:clrMapOvr>
+</p:sld>
+</file>
+
+<file path=ppt/slides/slide11.xml><?xml version="1.0" encoding="utf-8"?>
+<p:sld xmlns:a="http://schemas.openxmlformats.org/drawingml/2006/main" xmlns:r="http://schemas.openxmlformats.org/officeDocument/2006/relationships" xmlns:p="http://schemas.openxmlformats.org/presentationml/2006/main">
+  <p:cSld>
+    <p:spTree>
+      <p:nvGrpSpPr>
+        <p:cNvPr id="1" name=""/>
+        <p:cNvGrpSpPr/>
+        <p:nvPr/>
+      </p:nvGrpSpPr>
+      <p:grpSpPr>
+        <a:xfrm>
+          <a:off x="0" y="0"/>
+          <a:ext cx="0" cy="0"/>
+          <a:chOff x="0" y="0"/>
+          <a:chExt cx="0" cy="0"/>
+        </a:xfrm>
+      </p:grpSpPr>
+      <p:sp>
+        <p:nvSpPr>
+          <p:cNvPr id="2" name="Title 1"/>
+          <p:cNvSpPr>
+            <a:spLocks noGrp="1"/>
+          </p:cNvSpPr>
+          <p:nvPr>
+            <p:ph type="title"/>
+          </p:nvPr>
+        </p:nvSpPr>
+        <p:spPr/>
+        <p:txBody>
+          <a:bodyPr/>
+          <a:lstStyle/>
+          <a:p>
+            <a:r>
+              <a:rPr lang="en-US" dirty="0"/>
+              <a:t>Queries </a:t>
+            </a:r>
+            <a:r>
+              <a:rPr lang="en-US" sz="2400" i="1" dirty="0"/>
+              <a:t>cont.</a:t>
+            </a:r>
+            <a:endParaRPr lang="en-US" dirty="0"/>
+          </a:p>
+        </p:txBody>
+      </p:sp>
+      <p:pic>
+        <p:nvPicPr>
+          <p:cNvPr id="3" name="Picture 2"/>
+          <p:cNvPicPr>
+            <a:picLocks noChangeAspect="1"/>
+          </p:cNvPicPr>
+          <p:nvPr/>
+        </p:nvPicPr>
+        <p:blipFill>
+          <a:blip r:embed="rId2"/>
+          <a:stretch>
+            <a:fillRect/>
+          </a:stretch>
+        </p:blipFill>
+        <p:spPr>
+          <a:xfrm>
+            <a:off x="969991" y="3415555"/>
+            <a:ext cx="10249935" cy="1123950"/>
+          </a:xfrm>
+          <a:prstGeom prst="rect">
+            <a:avLst/>
+          </a:prstGeom>
+        </p:spPr>
+      </p:pic>
+      <p:pic>
+        <p:nvPicPr>
+          <p:cNvPr id="4" name="Picture 3"/>
+          <p:cNvPicPr>
+            <a:picLocks noChangeAspect="1"/>
+          </p:cNvPicPr>
+          <p:nvPr/>
+        </p:nvPicPr>
+        <p:blipFill>
+          <a:blip r:embed="rId3"/>
+          <a:stretch>
+            <a:fillRect/>
+          </a:stretch>
+        </p:blipFill>
+        <p:spPr>
+          <a:xfrm>
+            <a:off x="3424945" y="4906315"/>
+            <a:ext cx="5340026" cy="659461"/>
+          </a:xfrm>
+          <a:prstGeom prst="rect">
+            <a:avLst/>
+          </a:prstGeom>
+        </p:spPr>
+      </p:pic>
+      <p:sp>
+        <p:nvSpPr>
+          <p:cNvPr id="5" name="Rectangle 4"/>
+          <p:cNvSpPr/>
+          <p:nvPr/>
+        </p:nvSpPr>
+        <p:spPr>
+          <a:xfrm>
+            <a:off x="0" y="2648635"/>
+            <a:ext cx="12192000" cy="400110"/>
+          </a:xfrm>
+          <a:prstGeom prst="rect">
+            <a:avLst/>
+          </a:prstGeom>
+        </p:spPr>
+        <p:txBody>
+          <a:bodyPr wrap="square">
+            <a:spAutoFit/>
+          </a:bodyPr>
+          <a:lstStyle/>
+          <a:p>
+            <a:pPr algn="ctr"/>
+            <a:r>
+              <a:rPr lang="en-US" sz="2000" b="1" dirty="0"/>
+              <a:t>A student wants to view their mark on one assignment</a:t>
+            </a:r>
+            <a:endParaRPr lang="en-US" sz="2000" b="1" dirty="0"/>
+          </a:p>
+        </p:txBody>
+      </p:sp>
+    </p:spTree>
+    <p:extLst>
+      <p:ext uri="{BB962C8B-B14F-4D97-AF65-F5344CB8AC3E}">
+        <p14:creationId xmlns:p14="http://schemas.microsoft.com/office/powerpoint/2010/main" val="260224967"/>
+      </p:ext>
+    </p:extLst>
+  </p:cSld>
+  <p:clrMapOvr>
+    <a:masterClrMapping/>
+  </p:clrMapOvr>
+</p:sld>
+</file>
+
+<file path=ppt/slides/slide12.xml><?xml version="1.0" encoding="utf-8"?>
+<p:sld xmlns:a="http://schemas.openxmlformats.org/drawingml/2006/main" xmlns:r="http://schemas.openxmlformats.org/officeDocument/2006/relationships" xmlns:p="http://schemas.openxmlformats.org/presentationml/2006/main">
+  <p:cSld>
+    <p:spTree>
+      <p:nvGrpSpPr>
+        <p:cNvPr id="1" name=""/>
+        <p:cNvGrpSpPr/>
+        <p:nvPr/>
+      </p:nvGrpSpPr>
+      <p:grpSpPr>
+        <a:xfrm>
+          <a:off x="0" y="0"/>
+          <a:ext cx="0" cy="0"/>
+          <a:chOff x="0" y="0"/>
+          <a:chExt cx="0" cy="0"/>
+        </a:xfrm>
+      </p:grpSpPr>
+      <p:sp>
+        <p:nvSpPr>
+          <p:cNvPr id="2" name="Title 1"/>
+          <p:cNvSpPr>
+            <a:spLocks noGrp="1"/>
+          </p:cNvSpPr>
+          <p:nvPr>
+            <p:ph type="title"/>
+          </p:nvPr>
+        </p:nvSpPr>
+        <p:spPr/>
+        <p:txBody>
+          <a:bodyPr/>
+          <a:lstStyle/>
+          <a:p>
+            <a:r>
+              <a:rPr lang="en-US" dirty="0"/>
+              <a:t>Queries </a:t>
+            </a:r>
+            <a:r>
+              <a:rPr lang="en-US" sz="2400" i="1" dirty="0"/>
+              <a:t>cont.</a:t>
+            </a:r>
+            <a:endParaRPr lang="en-US" dirty="0"/>
+          </a:p>
+        </p:txBody>
+      </p:sp>
+      <p:sp>
+        <p:nvSpPr>
+          <p:cNvPr id="3" name="Rectangle 2"/>
+          <p:cNvSpPr/>
+          <p:nvPr/>
+        </p:nvSpPr>
+        <p:spPr>
+          <a:xfrm>
+            <a:off x="1" y="2495034"/>
+            <a:ext cx="12192000" cy="400110"/>
+          </a:xfrm>
+          <a:prstGeom prst="rect">
+            <a:avLst/>
+          </a:prstGeom>
+        </p:spPr>
+        <p:txBody>
+          <a:bodyPr wrap="square">
+            <a:spAutoFit/>
+          </a:bodyPr>
+          <a:lstStyle/>
+          <a:p>
+            <a:pPr algn="ctr"/>
+            <a:r>
+              <a:rPr lang="en-US" sz="2000" b="1" dirty="0"/>
+              <a:t>A teacher wants to retrieve all of the marks for one student</a:t>
+            </a:r>
+          </a:p>
+        </p:txBody>
+      </p:sp>
+      <p:pic>
+        <p:nvPicPr>
+          <p:cNvPr id="4" name="Picture 3"/>
+          <p:cNvPicPr>
+            <a:picLocks noChangeAspect="1"/>
+          </p:cNvPicPr>
+          <p:nvPr/>
+        </p:nvPicPr>
+        <p:blipFill>
+          <a:blip r:embed="rId2"/>
+          <a:stretch>
+            <a:fillRect/>
+          </a:stretch>
+        </p:blipFill>
+        <p:spPr>
+          <a:xfrm>
+            <a:off x="3892576" y="5267317"/>
+            <a:ext cx="4404766" cy="973146"/>
+          </a:xfrm>
+          <a:prstGeom prst="rect">
+            <a:avLst/>
+          </a:prstGeom>
+        </p:spPr>
+      </p:pic>
+      <p:pic>
+        <p:nvPicPr>
+          <p:cNvPr id="5" name="Picture 4"/>
+          <p:cNvPicPr>
+            <a:picLocks noChangeAspect="1"/>
+          </p:cNvPicPr>
+          <p:nvPr/>
+        </p:nvPicPr>
+        <p:blipFill>
+          <a:blip r:embed="rId3"/>
+          <a:stretch>
+            <a:fillRect/>
+          </a:stretch>
+        </p:blipFill>
+        <p:spPr>
+          <a:xfrm>
+            <a:off x="2635906" y="3380884"/>
+            <a:ext cx="7125631" cy="784225"/>
+          </a:xfrm>
+          <a:prstGeom prst="rect">
+            <a:avLst/>
+          </a:prstGeom>
+        </p:spPr>
+      </p:pic>
+    </p:spTree>
+    <p:extLst>
+      <p:ext uri="{BB962C8B-B14F-4D97-AF65-F5344CB8AC3E}">
+        <p14:creationId xmlns:p14="http://schemas.microsoft.com/office/powerpoint/2010/main" val="2382659929"/>
+      </p:ext>
+    </p:extLst>
+  </p:cSld>
+  <p:clrMapOvr>
+    <a:masterClrMapping/>
+  </p:clrMapOvr>
+</p:sld>
+</file>
+
+<file path=ppt/slides/slide13.xml><?xml version="1.0" encoding="utf-8"?>
+<p:sld xmlns:a="http://schemas.openxmlformats.org/drawingml/2006/main" xmlns:r="http://schemas.openxmlformats.org/officeDocument/2006/relationships" xmlns:p="http://schemas.openxmlformats.org/presentationml/2006/main">
+  <p:cSld>
+    <p:spTree>
+      <p:nvGrpSpPr>
+        <p:cNvPr id="1" name=""/>
+        <p:cNvGrpSpPr/>
+        <p:nvPr/>
+      </p:nvGrpSpPr>
+      <p:grpSpPr>
+        <a:xfrm>
+          <a:off x="0" y="0"/>
+          <a:ext cx="0" cy="0"/>
+          <a:chOff x="0" y="0"/>
+          <a:chExt cx="0" cy="0"/>
+        </a:xfrm>
+      </p:grpSpPr>
+      <p:sp>
+        <p:nvSpPr>
+          <p:cNvPr id="2" name="Title 1"/>
+          <p:cNvSpPr>
+            <a:spLocks noGrp="1"/>
+          </p:cNvSpPr>
+          <p:nvPr>
+            <p:ph type="title"/>
+          </p:nvPr>
+        </p:nvSpPr>
+        <p:spPr/>
+        <p:txBody>
+          <a:bodyPr/>
+          <a:lstStyle/>
+          <a:p>
+            <a:r>
+              <a:rPr lang="en-US" dirty="0" smtClean="0"/>
+              <a:t>Euclid</a:t>
+            </a:r>
+            <a:endParaRPr lang="en-US" dirty="0"/>
+          </a:p>
+        </p:txBody>
+      </p:sp>
+      <p:sp>
+        <p:nvSpPr>
+          <p:cNvPr id="3" name="Content Placeholder 2"/>
+          <p:cNvSpPr>
+            <a:spLocks noGrp="1"/>
+          </p:cNvSpPr>
+          <p:nvPr>
+            <p:ph idx="1"/>
+          </p:nvPr>
+        </p:nvSpPr>
+        <p:spPr>
+          <a:xfrm>
+            <a:off x="1202919" y="2565400"/>
+            <a:ext cx="9388881" cy="3652520"/>
+          </a:xfrm>
+        </p:spPr>
+        <p:txBody>
+          <a:bodyPr/>
+          <a:lstStyle/>
+          <a:p>
+            <a:r>
+              <a:rPr lang="en-US" dirty="0" smtClean="0"/>
+              <a:t>Euclid efficiently manages assignments and grading for large amounts of students enrolled in different courses.</a:t>
+            </a:r>
+          </a:p>
+          <a:p>
+            <a:r>
+              <a:rPr lang="en-US" dirty="0" smtClean="0"/>
+              <a:t>Group submissions are easy with the specialized group ID lookup table.</a:t>
+            </a:r>
+          </a:p>
+          <a:p>
+            <a:r>
+              <a:rPr lang="en-US" dirty="0" smtClean="0"/>
+              <a:t>Using Cascading Style Sheets we can create a clean look for improved usability.</a:t>
+            </a:r>
+          </a:p>
+          <a:p>
+            <a:r>
+              <a:rPr lang="en-US" dirty="0" smtClean="0"/>
+              <a:t>Overall Euclid is a highly sophisticated education management system built on </a:t>
+            </a:r>
+            <a:r>
+              <a:rPr lang="en-US" smtClean="0"/>
+              <a:t>the reliable MySQL </a:t>
+            </a:r>
+            <a:r>
+              <a:rPr lang="en-US" dirty="0" smtClean="0"/>
+              <a:t>database software.</a:t>
+            </a:r>
+          </a:p>
+        </p:txBody>
+      </p:sp>
+    </p:spTree>
+    <p:extLst>
+      <p:ext uri="{BB962C8B-B14F-4D97-AF65-F5344CB8AC3E}">
+        <p14:creationId xmlns:p14="http://schemas.microsoft.com/office/powerpoint/2010/main" val="3884585185"/>
+      </p:ext>
+    </p:extLst>
+  </p:cSld>
+  <p:clrMapOvr>
+    <a:masterClrMapping/>
+  </p:clrMapOvr>
+</p:sld>
+</file>
+
 <file path=ppt/slides/slide2.xml><?xml version="1.0" encoding="utf-8"?>
 <p:sld xmlns:a="http://schemas.openxmlformats.org/drawingml/2006/main" xmlns:r="http://schemas.openxmlformats.org/officeDocument/2006/relationships" xmlns:p="http://schemas.openxmlformats.org/presentationml/2006/main">
   <p:cSld>
@@ -3456,7 +4051,7 @@
           <a:p>
             <a:r>
               <a:rPr lang="en-US" dirty="0" smtClean="0"/>
-              <a:t>Summary</a:t>
+              <a:t>Application Summary</a:t>
             </a:r>
             <a:endParaRPr lang="en-US" dirty="0"/>
           </a:p>
@@ -3489,7 +4084,7 @@
             </a:pPr>
             <a:r>
               <a:rPr lang="en-US" sz="2400" dirty="0" smtClean="0"/>
-              <a:t>Euclid is a MySQL database design meant to easily and efficiently store data on students, courses and assignments.</a:t>
+              <a:t>Euclid is an Education Management Platform that enables student collaborative submission for educator-created assignments.</a:t>
             </a:r>
           </a:p>
           <a:p>
@@ -3498,7 +4093,7 @@
             </a:pPr>
             <a:r>
               <a:rPr lang="en-US" sz="2400" dirty="0" smtClean="0"/>
-              <a:t>The database allows for professors to post assignments, and students to post submissions either by themselves or in easily created groups.</a:t>
+              <a:t>A professor may create an assignment with a list of requirements, and a total mark for all the students in a particular course.</a:t>
             </a:r>
           </a:p>
           <a:p>
@@ -3507,9 +4102,17 @@
             </a:pPr>
             <a:r>
               <a:rPr lang="en-US" sz="2400" dirty="0" smtClean="0"/>
-              <a:t>The database can track courses over years and which professors teach which courses.</a:t>
-            </a:r>
-            <a:endParaRPr lang="en-US" sz="2400" dirty="0"/>
+              <a:t>Students can create group submissions and receive synchronized marks.</a:t>
+            </a:r>
+          </a:p>
+          <a:p>
+            <a:pPr marL="0" indent="0">
+              <a:buNone/>
+            </a:pPr>
+            <a:r>
+              <a:rPr lang="en-US" sz="2400" dirty="0" smtClean="0"/>
+              <a:t>Students and teachers’ courses can be tracked individually and queried.</a:t>
+            </a:r>
           </a:p>
         </p:txBody>
       </p:sp>
@@ -3550,10 +4153,57 @@
           <a:chExt cx="0" cy="0"/>
         </a:xfrm>
       </p:grpSpPr>
+      <p:sp>
+        <p:nvSpPr>
+          <p:cNvPr id="2" name="Title 1"/>
+          <p:cNvSpPr>
+            <a:spLocks noGrp="1"/>
+          </p:cNvSpPr>
+          <p:nvPr>
+            <p:ph type="title"/>
+          </p:nvPr>
+        </p:nvSpPr>
+        <p:spPr/>
+        <p:txBody>
+          <a:bodyPr/>
+          <a:lstStyle/>
+          <a:p>
+            <a:r>
+              <a:rPr lang="en-US" dirty="0" smtClean="0"/>
+              <a:t>Web application</a:t>
+            </a:r>
+            <a:endParaRPr lang="en-US" dirty="0"/>
+          </a:p>
+        </p:txBody>
+      </p:sp>
+      <p:pic>
+        <p:nvPicPr>
+          <p:cNvPr id="3" name="Picture 2"/>
+          <p:cNvPicPr>
+            <a:picLocks noChangeAspect="1"/>
+          </p:cNvPicPr>
+          <p:nvPr/>
+        </p:nvPicPr>
+        <p:blipFill>
+          <a:blip r:embed="rId2"/>
+          <a:stretch>
+            <a:fillRect/>
+          </a:stretch>
+        </p:blipFill>
+        <p:spPr>
+          <a:xfrm>
+            <a:off x="1202919" y="2397125"/>
+            <a:ext cx="9410700" cy="4019550"/>
+          </a:xfrm>
+          <a:prstGeom prst="rect">
+            <a:avLst/>
+          </a:prstGeom>
+        </p:spPr>
+      </p:pic>
     </p:spTree>
     <p:extLst>
       <p:ext uri="{BB962C8B-B14F-4D97-AF65-F5344CB8AC3E}">
-        <p14:creationId xmlns:p14="http://schemas.microsoft.com/office/powerpoint/2010/main" val="1986675914"/>
+        <p14:creationId xmlns:p14="http://schemas.microsoft.com/office/powerpoint/2010/main" val="3325023793"/>
       </p:ext>
     </p:extLst>
   </p:cSld>
@@ -3604,104 +4254,3125 @@
           <a:p>
             <a:r>
               <a:rPr lang="en-US" dirty="0" smtClean="0"/>
-              <a:t>Features</a:t>
+              <a:t>ER-Diagram</a:t>
             </a:r>
             <a:endParaRPr lang="en-US" dirty="0"/>
           </a:p>
         </p:txBody>
       </p:sp>
-      <p:sp>
-        <p:nvSpPr>
-          <p:cNvPr id="3" name="Content Placeholder 2"/>
-          <p:cNvSpPr>
-            <a:spLocks noGrp="1"/>
-          </p:cNvSpPr>
-          <p:nvPr>
-            <p:ph sz="half" idx="1"/>
-          </p:nvPr>
-        </p:nvSpPr>
-        <p:spPr/>
-        <p:txBody>
-          <a:bodyPr/>
-          <a:lstStyle/>
-          <a:p>
-            <a:r>
-              <a:rPr lang="en-US" dirty="0" smtClean="0"/>
-              <a:t>Separated professor and student account types.</a:t>
-            </a:r>
-          </a:p>
-          <a:p>
-            <a:r>
-              <a:rPr lang="en-US" dirty="0" smtClean="0"/>
-              <a:t>Easy case by case group submission interface.</a:t>
-            </a:r>
-          </a:p>
-          <a:p>
-            <a:r>
-              <a:rPr lang="en-US" dirty="0" smtClean="0"/>
-              <a:t>Accessible assignment requirements and information.</a:t>
-            </a:r>
-          </a:p>
-          <a:p>
-            <a:r>
-              <a:rPr lang="en-US" dirty="0" smtClean="0"/>
-              <a:t>Easily translated to a GUI for maximum </a:t>
-            </a:r>
-            <a:r>
-              <a:rPr lang="en-US" dirty="0" err="1" smtClean="0"/>
-              <a:t>useability</a:t>
-            </a:r>
-            <a:r>
-              <a:rPr lang="en-US" dirty="0" smtClean="0"/>
-              <a:t>.</a:t>
-            </a:r>
-            <a:endParaRPr lang="en-US" dirty="0"/>
-          </a:p>
-        </p:txBody>
-      </p:sp>
-      <p:pic>
-        <p:nvPicPr>
-          <p:cNvPr id="5" name="Content Placeholder 4"/>
-          <p:cNvPicPr>
-            <a:picLocks noGrp="1" noChangeAspect="1"/>
-          </p:cNvPicPr>
-          <p:nvPr>
-            <p:ph sz="half" idx="2"/>
-          </p:nvPr>
-        </p:nvPicPr>
-        <p:blipFill>
-          <a:blip r:embed="rId2"/>
-          <a:stretch>
-            <a:fillRect/>
-          </a:stretch>
-        </p:blipFill>
+      <p:grpSp>
+        <p:nvGrpSpPr>
+          <p:cNvPr id="74" name="Group 73"/>
+          <p:cNvGrpSpPr/>
+          <p:nvPr/>
+        </p:nvGrpSpPr>
+        <p:grpSpPr>
+          <a:xfrm>
+            <a:off x="927100" y="1930400"/>
+            <a:ext cx="9864726" cy="4679950"/>
+            <a:chOff x="0" y="0"/>
+            <a:chExt cx="9671145" cy="6972300"/>
+          </a:xfrm>
+        </p:grpSpPr>
+        <p:cxnSp>
+          <p:nvCxnSpPr>
+            <p:cNvPr id="75" name="Straight Connector 74"/>
+            <p:cNvCxnSpPr/>
+            <p:nvPr/>
+          </p:nvCxnSpPr>
+          <p:spPr>
+            <a:xfrm flipH="1" flipV="1">
+              <a:off x="6469039" y="914400"/>
+              <a:ext cx="1028700" cy="457200"/>
+            </a:xfrm>
+            <a:prstGeom prst="line">
+              <a:avLst/>
+            </a:prstGeom>
+            <a:ln/>
+          </p:spPr>
+          <p:style>
+            <a:lnRef idx="2">
+              <a:schemeClr val="accent1"/>
+            </a:lnRef>
+            <a:fillRef idx="0">
+              <a:schemeClr val="accent1"/>
+            </a:fillRef>
+            <a:effectRef idx="1">
+              <a:schemeClr val="accent1"/>
+            </a:effectRef>
+            <a:fontRef idx="minor">
+              <a:schemeClr val="tx1"/>
+            </a:fontRef>
+          </p:style>
+        </p:cxnSp>
+        <p:cxnSp>
+          <p:nvCxnSpPr>
+            <p:cNvPr id="76" name="Straight Connector 75"/>
+            <p:cNvCxnSpPr/>
+            <p:nvPr/>
+          </p:nvCxnSpPr>
+          <p:spPr>
+            <a:xfrm flipH="1">
+              <a:off x="614149" y="1610436"/>
+              <a:ext cx="914400" cy="2743200"/>
+            </a:xfrm>
+            <a:prstGeom prst="line">
+              <a:avLst/>
+            </a:prstGeom>
+            <a:ln/>
+          </p:spPr>
+          <p:style>
+            <a:lnRef idx="2">
+              <a:schemeClr val="accent1"/>
+            </a:lnRef>
+            <a:fillRef idx="0">
+              <a:schemeClr val="accent1"/>
+            </a:fillRef>
+            <a:effectRef idx="1">
+              <a:schemeClr val="accent1"/>
+            </a:effectRef>
+            <a:fontRef idx="minor">
+              <a:schemeClr val="tx1"/>
+            </a:fontRef>
+          </p:style>
+        </p:cxnSp>
+        <p:cxnSp>
+          <p:nvCxnSpPr>
+            <p:cNvPr id="77" name="Straight Connector 76"/>
+            <p:cNvCxnSpPr/>
+            <p:nvPr/>
+          </p:nvCxnSpPr>
+          <p:spPr>
+            <a:xfrm>
+              <a:off x="518615" y="4462818"/>
+              <a:ext cx="1143000" cy="2057400"/>
+            </a:xfrm>
+            <a:prstGeom prst="line">
+              <a:avLst/>
+            </a:prstGeom>
+            <a:ln/>
+          </p:spPr>
+          <p:style>
+            <a:lnRef idx="2">
+              <a:schemeClr val="accent1"/>
+            </a:lnRef>
+            <a:fillRef idx="0">
+              <a:schemeClr val="accent1"/>
+            </a:fillRef>
+            <a:effectRef idx="1">
+              <a:schemeClr val="accent1"/>
+            </a:effectRef>
+            <a:fontRef idx="minor">
+              <a:schemeClr val="tx1"/>
+            </a:fontRef>
+          </p:style>
+        </p:cxnSp>
+        <p:cxnSp>
+          <p:nvCxnSpPr>
+            <p:cNvPr id="78" name="Straight Connector 77"/>
+            <p:cNvCxnSpPr/>
+            <p:nvPr/>
+          </p:nvCxnSpPr>
+          <p:spPr>
+            <a:xfrm flipH="1">
+              <a:off x="3029803" y="4694830"/>
+              <a:ext cx="114300" cy="342900"/>
+            </a:xfrm>
+            <a:prstGeom prst="line">
+              <a:avLst/>
+            </a:prstGeom>
+            <a:ln/>
+          </p:spPr>
+          <p:style>
+            <a:lnRef idx="2">
+              <a:schemeClr val="accent1"/>
+            </a:lnRef>
+            <a:fillRef idx="0">
+              <a:schemeClr val="accent1"/>
+            </a:fillRef>
+            <a:effectRef idx="1">
+              <a:schemeClr val="accent1"/>
+            </a:effectRef>
+            <a:fontRef idx="minor">
+              <a:schemeClr val="tx1"/>
+            </a:fontRef>
+          </p:style>
+        </p:cxnSp>
+        <p:cxnSp>
+          <p:nvCxnSpPr>
+            <p:cNvPr id="79" name="Straight Connector 78"/>
+            <p:cNvCxnSpPr/>
+            <p:nvPr/>
+          </p:nvCxnSpPr>
+          <p:spPr>
+            <a:xfrm flipH="1">
+              <a:off x="3384645" y="4913194"/>
+              <a:ext cx="342900" cy="228600"/>
+            </a:xfrm>
+            <a:prstGeom prst="line">
+              <a:avLst/>
+            </a:prstGeom>
+            <a:ln/>
+          </p:spPr>
+          <p:style>
+            <a:lnRef idx="2">
+              <a:schemeClr val="accent1"/>
+            </a:lnRef>
+            <a:fillRef idx="0">
+              <a:schemeClr val="accent1"/>
+            </a:fillRef>
+            <a:effectRef idx="1">
+              <a:schemeClr val="accent1"/>
+            </a:effectRef>
+            <a:fontRef idx="minor">
+              <a:schemeClr val="tx1"/>
+            </a:fontRef>
+          </p:style>
+        </p:cxnSp>
+        <p:cxnSp>
+          <p:nvCxnSpPr>
+            <p:cNvPr id="80" name="Straight Connector 79"/>
+            <p:cNvCxnSpPr/>
+            <p:nvPr/>
+          </p:nvCxnSpPr>
+          <p:spPr>
+            <a:xfrm>
+              <a:off x="859809" y="6182436"/>
+              <a:ext cx="571500" cy="342900"/>
+            </a:xfrm>
+            <a:prstGeom prst="line">
+              <a:avLst/>
+            </a:prstGeom>
+            <a:ln/>
+          </p:spPr>
+          <p:style>
+            <a:lnRef idx="2">
+              <a:schemeClr val="accent1"/>
+            </a:lnRef>
+            <a:fillRef idx="0">
+              <a:schemeClr val="accent1"/>
+            </a:fillRef>
+            <a:effectRef idx="1">
+              <a:schemeClr val="accent1"/>
+            </a:effectRef>
+            <a:fontRef idx="minor">
+              <a:schemeClr val="tx1"/>
+            </a:fontRef>
+          </p:style>
+        </p:cxnSp>
+        <p:cxnSp>
+          <p:nvCxnSpPr>
+            <p:cNvPr id="81" name="Straight Connector 80"/>
+            <p:cNvCxnSpPr/>
+            <p:nvPr/>
+          </p:nvCxnSpPr>
+          <p:spPr>
+            <a:xfrm>
+              <a:off x="859809" y="6632812"/>
+              <a:ext cx="685800" cy="0"/>
+            </a:xfrm>
+            <a:prstGeom prst="line">
+              <a:avLst/>
+            </a:prstGeom>
+            <a:ln/>
+          </p:spPr>
+          <p:style>
+            <a:lnRef idx="2">
+              <a:schemeClr val="accent1"/>
+            </a:lnRef>
+            <a:fillRef idx="0">
+              <a:schemeClr val="accent1"/>
+            </a:fillRef>
+            <a:effectRef idx="1">
+              <a:schemeClr val="accent1"/>
+            </a:effectRef>
+            <a:fontRef idx="minor">
+              <a:schemeClr val="tx1"/>
+            </a:fontRef>
+          </p:style>
+        </p:cxnSp>
+        <p:cxnSp>
+          <p:nvCxnSpPr>
+            <p:cNvPr id="82" name="Straight Connector 81"/>
+            <p:cNvCxnSpPr/>
+            <p:nvPr/>
+          </p:nvCxnSpPr>
+          <p:spPr>
+            <a:xfrm flipH="1">
+              <a:off x="2006221" y="6059606"/>
+              <a:ext cx="457200" cy="571500"/>
+            </a:xfrm>
+            <a:prstGeom prst="line">
+              <a:avLst/>
+            </a:prstGeom>
+            <a:ln/>
+          </p:spPr>
+          <p:style>
+            <a:lnRef idx="2">
+              <a:schemeClr val="accent1"/>
+            </a:lnRef>
+            <a:fillRef idx="0">
+              <a:schemeClr val="accent1"/>
+            </a:fillRef>
+            <a:effectRef idx="1">
+              <a:schemeClr val="accent1"/>
+            </a:effectRef>
+            <a:fontRef idx="minor">
+              <a:schemeClr val="tx1"/>
+            </a:fontRef>
+          </p:style>
+        </p:cxnSp>
+        <p:cxnSp>
+          <p:nvCxnSpPr>
+            <p:cNvPr id="83" name="Straight Connector 82"/>
+            <p:cNvCxnSpPr/>
+            <p:nvPr/>
+          </p:nvCxnSpPr>
+          <p:spPr>
+            <a:xfrm flipH="1">
+              <a:off x="2579427" y="5377218"/>
+              <a:ext cx="228600" cy="457200"/>
+            </a:xfrm>
+            <a:prstGeom prst="line">
+              <a:avLst/>
+            </a:prstGeom>
+            <a:ln/>
+          </p:spPr>
+          <p:style>
+            <a:lnRef idx="2">
+              <a:schemeClr val="accent1"/>
+            </a:lnRef>
+            <a:fillRef idx="0">
+              <a:schemeClr val="accent1"/>
+            </a:fillRef>
+            <a:effectRef idx="1">
+              <a:schemeClr val="accent1"/>
+            </a:effectRef>
+            <a:fontRef idx="minor">
+              <a:schemeClr val="tx1"/>
+            </a:fontRef>
+          </p:style>
+        </p:cxnSp>
+        <p:cxnSp>
+          <p:nvCxnSpPr>
+            <p:cNvPr id="84" name="Straight Connector 83"/>
+            <p:cNvCxnSpPr/>
+            <p:nvPr/>
+          </p:nvCxnSpPr>
+          <p:spPr>
+            <a:xfrm flipV="1">
+              <a:off x="2688609" y="5609230"/>
+              <a:ext cx="2743200" cy="1143000"/>
+            </a:xfrm>
+            <a:prstGeom prst="line">
+              <a:avLst/>
+            </a:prstGeom>
+            <a:ln/>
+          </p:spPr>
+          <p:style>
+            <a:lnRef idx="2">
+              <a:schemeClr val="accent1"/>
+            </a:lnRef>
+            <a:fillRef idx="0">
+              <a:schemeClr val="accent1"/>
+            </a:fillRef>
+            <a:effectRef idx="1">
+              <a:schemeClr val="accent1"/>
+            </a:effectRef>
+            <a:fontRef idx="minor">
+              <a:schemeClr val="tx1"/>
+            </a:fontRef>
+          </p:style>
+        </p:cxnSp>
+        <p:cxnSp>
+          <p:nvCxnSpPr>
+            <p:cNvPr id="85" name="Straight Connector 84"/>
+            <p:cNvCxnSpPr/>
+            <p:nvPr/>
+          </p:nvCxnSpPr>
+          <p:spPr>
+            <a:xfrm>
+              <a:off x="8297839" y="4121624"/>
+              <a:ext cx="342900" cy="457200"/>
+            </a:xfrm>
+            <a:prstGeom prst="line">
+              <a:avLst/>
+            </a:prstGeom>
+            <a:ln/>
+          </p:spPr>
+          <p:style>
+            <a:lnRef idx="2">
+              <a:schemeClr val="accent1"/>
+            </a:lnRef>
+            <a:fillRef idx="0">
+              <a:schemeClr val="accent1"/>
+            </a:fillRef>
+            <a:effectRef idx="1">
+              <a:schemeClr val="accent1"/>
+            </a:effectRef>
+            <a:fontRef idx="minor">
+              <a:schemeClr val="tx1"/>
+            </a:fontRef>
+          </p:style>
+        </p:cxnSp>
+        <p:cxnSp>
+          <p:nvCxnSpPr>
+            <p:cNvPr id="86" name="Straight Connector 85"/>
+            <p:cNvCxnSpPr/>
+            <p:nvPr/>
+          </p:nvCxnSpPr>
+          <p:spPr>
+            <a:xfrm>
+              <a:off x="2470245" y="5377218"/>
+              <a:ext cx="914400" cy="0"/>
+            </a:xfrm>
+            <a:prstGeom prst="line">
+              <a:avLst/>
+            </a:prstGeom>
+            <a:ln/>
+          </p:spPr>
+          <p:style>
+            <a:lnRef idx="2">
+              <a:schemeClr val="accent1"/>
+            </a:lnRef>
+            <a:fillRef idx="0">
+              <a:schemeClr val="accent1"/>
+            </a:fillRef>
+            <a:effectRef idx="1">
+              <a:schemeClr val="accent1"/>
+            </a:effectRef>
+            <a:fontRef idx="minor">
+              <a:schemeClr val="tx1"/>
+            </a:fontRef>
+          </p:style>
+        </p:cxnSp>
+        <p:cxnSp>
+          <p:nvCxnSpPr>
+            <p:cNvPr id="87" name="Straight Connector 86"/>
+            <p:cNvCxnSpPr/>
+            <p:nvPr/>
+          </p:nvCxnSpPr>
+          <p:spPr>
+            <a:xfrm>
+              <a:off x="2920621" y="3889612"/>
+              <a:ext cx="2514600" cy="1257300"/>
+            </a:xfrm>
+            <a:prstGeom prst="line">
+              <a:avLst/>
+            </a:prstGeom>
+            <a:ln/>
+          </p:spPr>
+          <p:style>
+            <a:lnRef idx="2">
+              <a:schemeClr val="accent1"/>
+            </a:lnRef>
+            <a:fillRef idx="0">
+              <a:schemeClr val="accent1"/>
+            </a:fillRef>
+            <a:effectRef idx="1">
+              <a:schemeClr val="accent1"/>
+            </a:effectRef>
+            <a:fontRef idx="minor">
+              <a:schemeClr val="tx1"/>
+            </a:fontRef>
+          </p:style>
+        </p:cxnSp>
+        <p:cxnSp>
+          <p:nvCxnSpPr>
+            <p:cNvPr id="88" name="Straight Connector 87"/>
+            <p:cNvCxnSpPr/>
+            <p:nvPr/>
+          </p:nvCxnSpPr>
+          <p:spPr>
+            <a:xfrm>
+              <a:off x="5773003" y="3998794"/>
+              <a:ext cx="1600200" cy="0"/>
+            </a:xfrm>
+            <a:prstGeom prst="line">
+              <a:avLst/>
+            </a:prstGeom>
+            <a:ln/>
+          </p:spPr>
+          <p:style>
+            <a:lnRef idx="2">
+              <a:schemeClr val="accent1"/>
+            </a:lnRef>
+            <a:fillRef idx="0">
+              <a:schemeClr val="accent1"/>
+            </a:fillRef>
+            <a:effectRef idx="1">
+              <a:schemeClr val="accent1"/>
+            </a:effectRef>
+            <a:fontRef idx="minor">
+              <a:schemeClr val="tx1"/>
+            </a:fontRef>
+          </p:style>
+        </p:cxnSp>
+        <p:cxnSp>
+          <p:nvCxnSpPr>
+            <p:cNvPr id="89" name="Straight Connector 88"/>
+            <p:cNvCxnSpPr/>
+            <p:nvPr/>
+          </p:nvCxnSpPr>
+          <p:spPr>
+            <a:xfrm>
+              <a:off x="3152633" y="3608979"/>
+              <a:ext cx="1714500" cy="228600"/>
+            </a:xfrm>
+            <a:prstGeom prst="line">
+              <a:avLst/>
+            </a:prstGeom>
+            <a:ln/>
+          </p:spPr>
+          <p:style>
+            <a:lnRef idx="2">
+              <a:schemeClr val="accent1"/>
+            </a:lnRef>
+            <a:fillRef idx="0">
+              <a:schemeClr val="accent1"/>
+            </a:fillRef>
+            <a:effectRef idx="1">
+              <a:schemeClr val="accent1"/>
+            </a:effectRef>
+            <a:fontRef idx="minor">
+              <a:schemeClr val="tx1"/>
+            </a:fontRef>
+          </p:style>
+        </p:cxnSp>
+        <p:cxnSp>
+          <p:nvCxnSpPr>
+            <p:cNvPr id="90" name="Straight Connector 89"/>
+            <p:cNvCxnSpPr/>
+            <p:nvPr/>
+          </p:nvCxnSpPr>
+          <p:spPr>
+            <a:xfrm flipV="1">
+              <a:off x="8065827" y="2975212"/>
+              <a:ext cx="0" cy="914400"/>
+            </a:xfrm>
+            <a:prstGeom prst="line">
+              <a:avLst/>
+            </a:prstGeom>
+            <a:ln/>
+          </p:spPr>
+          <p:style>
+            <a:lnRef idx="2">
+              <a:schemeClr val="accent1"/>
+            </a:lnRef>
+            <a:fillRef idx="0">
+              <a:schemeClr val="accent1"/>
+            </a:fillRef>
+            <a:effectRef idx="1">
+              <a:schemeClr val="accent1"/>
+            </a:effectRef>
+            <a:fontRef idx="minor">
+              <a:schemeClr val="tx1"/>
+            </a:fontRef>
+          </p:style>
+        </p:cxnSp>
+        <p:cxnSp>
+          <p:nvCxnSpPr>
+            <p:cNvPr id="91" name="Straight Connector 90"/>
+            <p:cNvCxnSpPr/>
+            <p:nvPr/>
+          </p:nvCxnSpPr>
+          <p:spPr>
+            <a:xfrm flipV="1">
+              <a:off x="8065827" y="1719618"/>
+              <a:ext cx="0" cy="914400"/>
+            </a:xfrm>
+            <a:prstGeom prst="line">
+              <a:avLst/>
+            </a:prstGeom>
+            <a:ln/>
+          </p:spPr>
+          <p:style>
+            <a:lnRef idx="2">
+              <a:schemeClr val="accent1"/>
+            </a:lnRef>
+            <a:fillRef idx="0">
+              <a:schemeClr val="accent1"/>
+            </a:fillRef>
+            <a:effectRef idx="1">
+              <a:schemeClr val="accent1"/>
+            </a:effectRef>
+            <a:fontRef idx="minor">
+              <a:schemeClr val="tx1"/>
+            </a:fontRef>
+          </p:style>
+        </p:cxnSp>
+        <p:cxnSp>
+          <p:nvCxnSpPr>
+            <p:cNvPr id="92" name="Straight Connector 91"/>
+            <p:cNvCxnSpPr/>
+            <p:nvPr/>
+          </p:nvCxnSpPr>
+          <p:spPr>
+            <a:xfrm flipH="1" flipV="1">
+              <a:off x="1555845" y="3207224"/>
+              <a:ext cx="342900" cy="571500"/>
+            </a:xfrm>
+            <a:prstGeom prst="line">
+              <a:avLst/>
+            </a:prstGeom>
+            <a:ln/>
+          </p:spPr>
+          <p:style>
+            <a:lnRef idx="2">
+              <a:schemeClr val="accent1"/>
+            </a:lnRef>
+            <a:fillRef idx="0">
+              <a:schemeClr val="accent1"/>
+            </a:fillRef>
+            <a:effectRef idx="1">
+              <a:schemeClr val="accent1"/>
+            </a:effectRef>
+            <a:fontRef idx="minor">
+              <a:schemeClr val="tx1"/>
+            </a:fontRef>
+          </p:style>
+        </p:cxnSp>
+        <p:cxnSp>
+          <p:nvCxnSpPr>
+            <p:cNvPr id="93" name="Straight Connector 92"/>
+            <p:cNvCxnSpPr/>
+            <p:nvPr/>
+          </p:nvCxnSpPr>
+          <p:spPr>
+            <a:xfrm flipH="1" flipV="1">
+              <a:off x="1897039" y="2975212"/>
+              <a:ext cx="114300" cy="571500"/>
+            </a:xfrm>
+            <a:prstGeom prst="line">
+              <a:avLst/>
+            </a:prstGeom>
+            <a:ln/>
+          </p:spPr>
+          <p:style>
+            <a:lnRef idx="2">
+              <a:schemeClr val="accent1"/>
+            </a:lnRef>
+            <a:fillRef idx="0">
+              <a:schemeClr val="accent1"/>
+            </a:fillRef>
+            <a:effectRef idx="1">
+              <a:schemeClr val="accent1"/>
+            </a:effectRef>
+            <a:fontRef idx="minor">
+              <a:schemeClr val="tx1"/>
+            </a:fontRef>
+          </p:style>
+        </p:cxnSp>
+        <p:cxnSp>
+          <p:nvCxnSpPr>
+            <p:cNvPr id="94" name="Straight Connector 93"/>
+            <p:cNvCxnSpPr/>
+            <p:nvPr/>
+          </p:nvCxnSpPr>
+          <p:spPr>
+            <a:xfrm flipV="1">
+              <a:off x="2688609" y="2975212"/>
+              <a:ext cx="114300" cy="457200"/>
+            </a:xfrm>
+            <a:prstGeom prst="line">
+              <a:avLst/>
+            </a:prstGeom>
+            <a:ln/>
+          </p:spPr>
+          <p:style>
+            <a:lnRef idx="2">
+              <a:schemeClr val="accent1"/>
+            </a:lnRef>
+            <a:fillRef idx="0">
+              <a:schemeClr val="accent1"/>
+            </a:fillRef>
+            <a:effectRef idx="1">
+              <a:schemeClr val="accent1"/>
+            </a:effectRef>
+            <a:fontRef idx="minor">
+              <a:schemeClr val="tx1"/>
+            </a:fontRef>
+          </p:style>
+        </p:cxnSp>
+        <p:cxnSp>
+          <p:nvCxnSpPr>
+            <p:cNvPr id="95" name="Straight Connector 94"/>
+            <p:cNvCxnSpPr/>
+            <p:nvPr/>
+          </p:nvCxnSpPr>
+          <p:spPr>
+            <a:xfrm flipV="1">
+              <a:off x="2811439" y="3207224"/>
+              <a:ext cx="685800" cy="457200"/>
+            </a:xfrm>
+            <a:prstGeom prst="line">
+              <a:avLst/>
+            </a:prstGeom>
+            <a:ln/>
+          </p:spPr>
+          <p:style>
+            <a:lnRef idx="2">
+              <a:schemeClr val="accent1"/>
+            </a:lnRef>
+            <a:fillRef idx="0">
+              <a:schemeClr val="accent1"/>
+            </a:fillRef>
+            <a:effectRef idx="1">
+              <a:schemeClr val="accent1"/>
+            </a:effectRef>
+            <a:fontRef idx="minor">
+              <a:schemeClr val="tx1"/>
+            </a:fontRef>
+          </p:style>
+        </p:cxnSp>
+        <p:cxnSp>
+          <p:nvCxnSpPr>
+            <p:cNvPr id="96" name="Straight Connector 95"/>
+            <p:cNvCxnSpPr/>
+            <p:nvPr/>
+          </p:nvCxnSpPr>
+          <p:spPr>
+            <a:xfrm flipH="1" flipV="1">
+              <a:off x="6919415" y="464024"/>
+              <a:ext cx="571500" cy="800100"/>
+            </a:xfrm>
+            <a:prstGeom prst="line">
+              <a:avLst/>
+            </a:prstGeom>
+            <a:ln/>
+          </p:spPr>
+          <p:style>
+            <a:lnRef idx="2">
+              <a:schemeClr val="accent1"/>
+            </a:lnRef>
+            <a:fillRef idx="0">
+              <a:schemeClr val="accent1"/>
+            </a:fillRef>
+            <a:effectRef idx="1">
+              <a:schemeClr val="accent1"/>
+            </a:effectRef>
+            <a:fontRef idx="minor">
+              <a:schemeClr val="tx1"/>
+            </a:fontRef>
+          </p:style>
+        </p:cxnSp>
+        <p:cxnSp>
+          <p:nvCxnSpPr>
+            <p:cNvPr id="97" name="Straight Connector 96"/>
+            <p:cNvCxnSpPr/>
+            <p:nvPr/>
+          </p:nvCxnSpPr>
+          <p:spPr>
+            <a:xfrm flipV="1">
+              <a:off x="7724633" y="354842"/>
+              <a:ext cx="0" cy="914400"/>
+            </a:xfrm>
+            <a:prstGeom prst="line">
+              <a:avLst/>
+            </a:prstGeom>
+            <a:ln/>
+          </p:spPr>
+          <p:style>
+            <a:lnRef idx="2">
+              <a:schemeClr val="accent1"/>
+            </a:lnRef>
+            <a:fillRef idx="0">
+              <a:schemeClr val="accent1"/>
+            </a:fillRef>
+            <a:effectRef idx="1">
+              <a:schemeClr val="accent1"/>
+            </a:effectRef>
+            <a:fontRef idx="minor">
+              <a:schemeClr val="tx1"/>
+            </a:fontRef>
+          </p:style>
+        </p:cxnSp>
+        <p:cxnSp>
+          <p:nvCxnSpPr>
+            <p:cNvPr id="98" name="Straight Connector 97"/>
+            <p:cNvCxnSpPr/>
+            <p:nvPr/>
+          </p:nvCxnSpPr>
+          <p:spPr>
+            <a:xfrm flipV="1">
+              <a:off x="8175009" y="573206"/>
+              <a:ext cx="342900" cy="685800"/>
+            </a:xfrm>
+            <a:prstGeom prst="line">
+              <a:avLst/>
+            </a:prstGeom>
+            <a:ln/>
+          </p:spPr>
+          <p:style>
+            <a:lnRef idx="2">
+              <a:schemeClr val="accent1"/>
+            </a:lnRef>
+            <a:fillRef idx="0">
+              <a:schemeClr val="accent1"/>
+            </a:fillRef>
+            <a:effectRef idx="1">
+              <a:schemeClr val="accent1"/>
+            </a:effectRef>
+            <a:fontRef idx="minor">
+              <a:schemeClr val="tx1"/>
+            </a:fontRef>
+          </p:style>
+        </p:cxnSp>
+        <p:cxnSp>
+          <p:nvCxnSpPr>
+            <p:cNvPr id="99" name="Straight Connector 98"/>
+            <p:cNvCxnSpPr/>
+            <p:nvPr/>
+          </p:nvCxnSpPr>
+          <p:spPr>
+            <a:xfrm flipV="1">
+              <a:off x="8407021" y="914400"/>
+              <a:ext cx="800100" cy="457200"/>
+            </a:xfrm>
+            <a:prstGeom prst="line">
+              <a:avLst/>
+            </a:prstGeom>
+            <a:ln/>
+          </p:spPr>
+          <p:style>
+            <a:lnRef idx="2">
+              <a:schemeClr val="accent1"/>
+            </a:lnRef>
+            <a:fillRef idx="0">
+              <a:schemeClr val="accent1"/>
+            </a:fillRef>
+            <a:effectRef idx="1">
+              <a:schemeClr val="accent1"/>
+            </a:effectRef>
+            <a:fontRef idx="minor">
+              <a:schemeClr val="tx1"/>
+            </a:fontRef>
+          </p:style>
+        </p:cxnSp>
+        <p:cxnSp>
+          <p:nvCxnSpPr>
+            <p:cNvPr id="100" name="Straight Connector 99"/>
+            <p:cNvCxnSpPr/>
+            <p:nvPr/>
+          </p:nvCxnSpPr>
+          <p:spPr>
+            <a:xfrm flipV="1">
+              <a:off x="2579427" y="914400"/>
+              <a:ext cx="800100" cy="457200"/>
+            </a:xfrm>
+            <a:prstGeom prst="line">
+              <a:avLst/>
+            </a:prstGeom>
+            <a:ln/>
+          </p:spPr>
+          <p:style>
+            <a:lnRef idx="2">
+              <a:schemeClr val="accent1"/>
+            </a:lnRef>
+            <a:fillRef idx="0">
+              <a:schemeClr val="accent1"/>
+            </a:fillRef>
+            <a:effectRef idx="1">
+              <a:schemeClr val="accent1"/>
+            </a:effectRef>
+            <a:fontRef idx="minor">
+              <a:schemeClr val="tx1"/>
+            </a:fontRef>
+          </p:style>
+        </p:cxnSp>
+        <p:cxnSp>
+          <p:nvCxnSpPr>
+            <p:cNvPr id="101" name="Straight Connector 100"/>
+            <p:cNvCxnSpPr/>
+            <p:nvPr/>
+          </p:nvCxnSpPr>
+          <p:spPr>
+            <a:xfrm flipV="1">
+              <a:off x="2347415" y="464024"/>
+              <a:ext cx="342900" cy="914400"/>
+            </a:xfrm>
+            <a:prstGeom prst="line">
+              <a:avLst/>
+            </a:prstGeom>
+            <a:ln/>
+          </p:spPr>
+          <p:style>
+            <a:lnRef idx="2">
+              <a:schemeClr val="accent1"/>
+            </a:lnRef>
+            <a:fillRef idx="0">
+              <a:schemeClr val="accent1"/>
+            </a:fillRef>
+            <a:effectRef idx="1">
+              <a:schemeClr val="accent1"/>
+            </a:effectRef>
+            <a:fontRef idx="minor">
+              <a:schemeClr val="tx1"/>
+            </a:fontRef>
+          </p:style>
+        </p:cxnSp>
+        <p:cxnSp>
+          <p:nvCxnSpPr>
+            <p:cNvPr id="102" name="Straight Connector 101"/>
+            <p:cNvCxnSpPr/>
+            <p:nvPr/>
+          </p:nvCxnSpPr>
+          <p:spPr>
+            <a:xfrm>
+              <a:off x="1897039" y="464024"/>
+              <a:ext cx="0" cy="914400"/>
+            </a:xfrm>
+            <a:prstGeom prst="line">
+              <a:avLst/>
+            </a:prstGeom>
+            <a:ln/>
+          </p:spPr>
+          <p:style>
+            <a:lnRef idx="2">
+              <a:schemeClr val="accent1"/>
+            </a:lnRef>
+            <a:fillRef idx="0">
+              <a:schemeClr val="accent1"/>
+            </a:fillRef>
+            <a:effectRef idx="1">
+              <a:schemeClr val="accent1"/>
+            </a:effectRef>
+            <a:fontRef idx="minor">
+              <a:schemeClr val="tx1"/>
+            </a:fontRef>
+          </p:style>
+        </p:cxnSp>
+        <p:cxnSp>
+          <p:nvCxnSpPr>
+            <p:cNvPr id="103" name="Straight Connector 102"/>
+            <p:cNvCxnSpPr/>
+            <p:nvPr/>
+          </p:nvCxnSpPr>
+          <p:spPr>
+            <a:xfrm>
+              <a:off x="1201003" y="805218"/>
+              <a:ext cx="342900" cy="571500"/>
+            </a:xfrm>
+            <a:prstGeom prst="line">
+              <a:avLst/>
+            </a:prstGeom>
+            <a:ln/>
+          </p:spPr>
+          <p:style>
+            <a:lnRef idx="2">
+              <a:schemeClr val="accent1"/>
+            </a:lnRef>
+            <a:fillRef idx="0">
+              <a:schemeClr val="accent1"/>
+            </a:fillRef>
+            <a:effectRef idx="1">
+              <a:schemeClr val="accent1"/>
+            </a:effectRef>
+            <a:fontRef idx="minor">
+              <a:schemeClr val="tx1"/>
+            </a:fontRef>
+          </p:style>
+        </p:cxnSp>
+        <p:cxnSp>
+          <p:nvCxnSpPr>
+            <p:cNvPr id="104" name="Straight Connector 103"/>
+            <p:cNvCxnSpPr/>
+            <p:nvPr/>
+          </p:nvCxnSpPr>
+          <p:spPr>
+            <a:xfrm>
+              <a:off x="736979" y="1269242"/>
+              <a:ext cx="1028700" cy="228600"/>
+            </a:xfrm>
+            <a:prstGeom prst="line">
+              <a:avLst/>
+            </a:prstGeom>
+            <a:ln/>
+          </p:spPr>
+          <p:style>
+            <a:lnRef idx="2">
+              <a:schemeClr val="accent1"/>
+            </a:lnRef>
+            <a:fillRef idx="0">
+              <a:schemeClr val="accent1"/>
+            </a:fillRef>
+            <a:effectRef idx="1">
+              <a:schemeClr val="accent1"/>
+            </a:effectRef>
+            <a:fontRef idx="minor">
+              <a:schemeClr val="tx1"/>
+            </a:fontRef>
+          </p:style>
+        </p:cxnSp>
+        <p:cxnSp>
+          <p:nvCxnSpPr>
+            <p:cNvPr id="105" name="Straight Connector 104"/>
+            <p:cNvCxnSpPr/>
+            <p:nvPr/>
+          </p:nvCxnSpPr>
+          <p:spPr>
+            <a:xfrm>
+              <a:off x="5745708" y="1610436"/>
+              <a:ext cx="1828800" cy="0"/>
+            </a:xfrm>
+            <a:prstGeom prst="line">
+              <a:avLst/>
+            </a:prstGeom>
+            <a:ln/>
+          </p:spPr>
+          <p:style>
+            <a:lnRef idx="2">
+              <a:schemeClr val="accent1"/>
+            </a:lnRef>
+            <a:fillRef idx="0">
+              <a:schemeClr val="accent1"/>
+            </a:fillRef>
+            <a:effectRef idx="1">
+              <a:schemeClr val="accent1"/>
+            </a:effectRef>
+            <a:fontRef idx="minor">
+              <a:schemeClr val="tx1"/>
+            </a:fontRef>
+          </p:style>
+        </p:cxnSp>
+        <p:cxnSp>
+          <p:nvCxnSpPr>
+            <p:cNvPr id="106" name="Straight Connector 105"/>
+            <p:cNvCxnSpPr/>
+            <p:nvPr/>
+          </p:nvCxnSpPr>
+          <p:spPr>
+            <a:xfrm>
+              <a:off x="2661313" y="1610436"/>
+              <a:ext cx="1828800" cy="0"/>
+            </a:xfrm>
+            <a:prstGeom prst="line">
+              <a:avLst/>
+            </a:prstGeom>
+            <a:ln/>
+          </p:spPr>
+          <p:style>
+            <a:lnRef idx="2">
+              <a:schemeClr val="accent1"/>
+            </a:lnRef>
+            <a:fillRef idx="0">
+              <a:schemeClr val="accent1"/>
+            </a:fillRef>
+            <a:effectRef idx="1">
+              <a:schemeClr val="accent1"/>
+            </a:effectRef>
+            <a:fontRef idx="minor">
+              <a:schemeClr val="tx1"/>
+            </a:fontRef>
+          </p:style>
+        </p:cxnSp>
+        <p:sp>
+          <p:nvSpPr>
+            <p:cNvPr id="107" name="Rounded Rectangle 106"/>
+            <p:cNvSpPr/>
+            <p:nvPr/>
+          </p:nvSpPr>
+          <p:spPr>
+            <a:xfrm>
+              <a:off x="1378424" y="1269242"/>
+              <a:ext cx="1257300" cy="571500"/>
+            </a:xfrm>
+            <a:prstGeom prst="roundRect">
+              <a:avLst/>
+            </a:prstGeom>
+            <a:ln>
+              <a:solidFill>
+                <a:srgbClr val="4F81BD"/>
+              </a:solidFill>
+            </a:ln>
+          </p:spPr>
+          <p:style>
+            <a:lnRef idx="1">
+              <a:schemeClr val="accent1"/>
+            </a:lnRef>
+            <a:fillRef idx="3">
+              <a:schemeClr val="accent1"/>
+            </a:fillRef>
+            <a:effectRef idx="2">
+              <a:schemeClr val="accent1"/>
+            </a:effectRef>
+            <a:fontRef idx="minor">
+              <a:schemeClr val="lt1"/>
+            </a:fontRef>
+          </p:style>
+          <p:txBody>
+            <a:bodyPr wrap="square">
+              <a:noAutofit/>
+            </a:bodyPr>
+            <a:lstStyle/>
+            <a:p>
+              <a:pPr marL="0" marR="0" algn="ctr">
+                <a:spcBef>
+                  <a:spcPts val="0"/>
+                </a:spcBef>
+                <a:spcAft>
+                  <a:spcPts val="0"/>
+                </a:spcAft>
+              </a:pPr>
+              <a:r>
+                <a:rPr lang="en-US" sz="1200">
+                  <a:effectLst/>
+                  <a:ea typeface="MS Mincho" panose="02020609040205080304" pitchFamily="49" charset="-128"/>
+                  <a:cs typeface="Times New Roman" panose="02020603050405020304" pitchFamily="18" charset="0"/>
+                </a:rPr>
+                <a:t>Assignment</a:t>
+              </a:r>
+            </a:p>
+          </p:txBody>
+        </p:sp>
+        <p:sp>
+          <p:nvSpPr>
+            <p:cNvPr id="108" name="Rounded Rectangle 107"/>
+            <p:cNvSpPr/>
+            <p:nvPr/>
+          </p:nvSpPr>
+          <p:spPr>
+            <a:xfrm>
+              <a:off x="7383439" y="3657600"/>
+              <a:ext cx="1371600" cy="571500"/>
+            </a:xfrm>
+            <a:prstGeom prst="roundRect">
+              <a:avLst/>
+            </a:prstGeom>
+            <a:ln/>
+          </p:spPr>
+          <p:style>
+            <a:lnRef idx="1">
+              <a:schemeClr val="accent1"/>
+            </a:lnRef>
+            <a:fillRef idx="3">
+              <a:schemeClr val="accent1"/>
+            </a:fillRef>
+            <a:effectRef idx="2">
+              <a:schemeClr val="accent1"/>
+            </a:effectRef>
+            <a:fontRef idx="minor">
+              <a:schemeClr val="lt1"/>
+            </a:fontRef>
+          </p:style>
+          <p:txBody>
+            <a:bodyPr wrap="square">
+              <a:noAutofit/>
+            </a:bodyPr>
+            <a:lstStyle/>
+            <a:p>
+              <a:pPr marL="0" marR="0" algn="ctr">
+                <a:spcBef>
+                  <a:spcPts val="0"/>
+                </a:spcBef>
+                <a:spcAft>
+                  <a:spcPts val="0"/>
+                </a:spcAft>
+              </a:pPr>
+              <a:r>
+                <a:rPr lang="en-US" sz="1200">
+                  <a:effectLst/>
+                  <a:ea typeface="MS Mincho" panose="02020609040205080304" pitchFamily="49" charset="-128"/>
+                  <a:cs typeface="Times New Roman" panose="02020603050405020304" pitchFamily="18" charset="0"/>
+                </a:rPr>
+                <a:t>Group</a:t>
+              </a:r>
+            </a:p>
+          </p:txBody>
+        </p:sp>
+        <p:sp>
+          <p:nvSpPr>
+            <p:cNvPr id="109" name="Rounded Rectangle 108"/>
+            <p:cNvSpPr/>
+            <p:nvPr/>
+          </p:nvSpPr>
+          <p:spPr>
+            <a:xfrm>
+              <a:off x="1323833" y="6400800"/>
+              <a:ext cx="1371600" cy="571500"/>
+            </a:xfrm>
+            <a:prstGeom prst="roundRect">
+              <a:avLst/>
+            </a:prstGeom>
+            <a:ln/>
+          </p:spPr>
+          <p:style>
+            <a:lnRef idx="1">
+              <a:schemeClr val="accent1"/>
+            </a:lnRef>
+            <a:fillRef idx="3">
+              <a:schemeClr val="accent1"/>
+            </a:fillRef>
+            <a:effectRef idx="2">
+              <a:schemeClr val="accent1"/>
+            </a:effectRef>
+            <a:fontRef idx="minor">
+              <a:schemeClr val="lt1"/>
+            </a:fontRef>
+          </p:style>
+          <p:txBody>
+            <a:bodyPr wrap="square">
+              <a:noAutofit/>
+            </a:bodyPr>
+            <a:lstStyle/>
+            <a:p>
+              <a:pPr marL="0" marR="0" algn="ctr">
+                <a:spcBef>
+                  <a:spcPts val="0"/>
+                </a:spcBef>
+                <a:spcAft>
+                  <a:spcPts val="0"/>
+                </a:spcAft>
+              </a:pPr>
+              <a:r>
+                <a:rPr lang="en-US" sz="1200">
+                  <a:effectLst/>
+                  <a:ea typeface="MS Mincho" panose="02020609040205080304" pitchFamily="49" charset="-128"/>
+                  <a:cs typeface="Times New Roman" panose="02020603050405020304" pitchFamily="18" charset="0"/>
+                </a:rPr>
+                <a:t>Course</a:t>
+              </a:r>
+            </a:p>
+          </p:txBody>
+        </p:sp>
+        <p:sp>
+          <p:nvSpPr>
+            <p:cNvPr id="110" name="Rounded Rectangle 109"/>
+            <p:cNvSpPr/>
+            <p:nvPr/>
+          </p:nvSpPr>
+          <p:spPr>
+            <a:xfrm>
+              <a:off x="1774209" y="3439236"/>
+              <a:ext cx="1371600" cy="571500"/>
+            </a:xfrm>
+            <a:prstGeom prst="roundRect">
+              <a:avLst/>
+            </a:prstGeom>
+            <a:ln/>
+          </p:spPr>
+          <p:style>
+            <a:lnRef idx="1">
+              <a:schemeClr val="accent1"/>
+            </a:lnRef>
+            <a:fillRef idx="3">
+              <a:schemeClr val="accent1"/>
+            </a:fillRef>
+            <a:effectRef idx="2">
+              <a:schemeClr val="accent1"/>
+            </a:effectRef>
+            <a:fontRef idx="minor">
+              <a:schemeClr val="lt1"/>
+            </a:fontRef>
+          </p:style>
+          <p:txBody>
+            <a:bodyPr wrap="square">
+              <a:noAutofit/>
+            </a:bodyPr>
+            <a:lstStyle/>
+            <a:p>
+              <a:pPr marL="0" marR="0" algn="ctr">
+                <a:spcBef>
+                  <a:spcPts val="0"/>
+                </a:spcBef>
+                <a:spcAft>
+                  <a:spcPts val="0"/>
+                </a:spcAft>
+              </a:pPr>
+              <a:r>
+                <a:rPr lang="en-US" sz="1200" dirty="0">
+                  <a:effectLst/>
+                  <a:ea typeface="MS Mincho" panose="02020609040205080304" pitchFamily="49" charset="-128"/>
+                  <a:cs typeface="Times New Roman" panose="02020603050405020304" pitchFamily="18" charset="0"/>
+                </a:rPr>
+                <a:t>Student</a:t>
+              </a:r>
+            </a:p>
+          </p:txBody>
+        </p:sp>
+        <p:sp>
+          <p:nvSpPr>
+            <p:cNvPr id="111" name="Rounded Rectangle 110"/>
+            <p:cNvSpPr/>
+            <p:nvPr/>
+          </p:nvSpPr>
+          <p:spPr>
+            <a:xfrm>
+              <a:off x="7465325" y="1241946"/>
+              <a:ext cx="1371600" cy="571500"/>
+            </a:xfrm>
+            <a:prstGeom prst="roundRect">
+              <a:avLst/>
+            </a:prstGeom>
+            <a:ln/>
+          </p:spPr>
+          <p:style>
+            <a:lnRef idx="1">
+              <a:schemeClr val="accent1"/>
+            </a:lnRef>
+            <a:fillRef idx="3">
+              <a:schemeClr val="accent1"/>
+            </a:fillRef>
+            <a:effectRef idx="2">
+              <a:schemeClr val="accent1"/>
+            </a:effectRef>
+            <a:fontRef idx="minor">
+              <a:schemeClr val="lt1"/>
+            </a:fontRef>
+          </p:style>
+          <p:txBody>
+            <a:bodyPr wrap="square">
+              <a:noAutofit/>
+            </a:bodyPr>
+            <a:lstStyle/>
+            <a:p>
+              <a:pPr marL="0" marR="0" algn="ctr">
+                <a:spcBef>
+                  <a:spcPts val="0"/>
+                </a:spcBef>
+                <a:spcAft>
+                  <a:spcPts val="0"/>
+                </a:spcAft>
+              </a:pPr>
+              <a:r>
+                <a:rPr lang="en-US" sz="1200">
+                  <a:effectLst/>
+                  <a:ea typeface="MS Mincho" panose="02020609040205080304" pitchFamily="49" charset="-128"/>
+                  <a:cs typeface="Times New Roman" panose="02020603050405020304" pitchFamily="18" charset="0"/>
+                </a:rPr>
+                <a:t>Submission</a:t>
+              </a:r>
+            </a:p>
+          </p:txBody>
+        </p:sp>
+        <p:sp>
+          <p:nvSpPr>
+            <p:cNvPr id="112" name="Rounded Rectangle 111"/>
+            <p:cNvSpPr/>
+            <p:nvPr/>
+          </p:nvSpPr>
+          <p:spPr>
+            <a:xfrm>
+              <a:off x="2115403" y="5036024"/>
+              <a:ext cx="1371600" cy="571500"/>
+            </a:xfrm>
+            <a:prstGeom prst="roundRect">
+              <a:avLst/>
+            </a:prstGeom>
+            <a:ln/>
+          </p:spPr>
+          <p:style>
+            <a:lnRef idx="1">
+              <a:schemeClr val="accent1"/>
+            </a:lnRef>
+            <a:fillRef idx="3">
+              <a:schemeClr val="accent1"/>
+            </a:fillRef>
+            <a:effectRef idx="2">
+              <a:schemeClr val="accent1"/>
+            </a:effectRef>
+            <a:fontRef idx="minor">
+              <a:schemeClr val="lt1"/>
+            </a:fontRef>
+          </p:style>
+          <p:txBody>
+            <a:bodyPr wrap="square">
+              <a:noAutofit/>
+            </a:bodyPr>
+            <a:lstStyle/>
+            <a:p>
+              <a:pPr marL="0" marR="0" algn="ctr">
+                <a:spcBef>
+                  <a:spcPts val="0"/>
+                </a:spcBef>
+                <a:spcAft>
+                  <a:spcPts val="0"/>
+                </a:spcAft>
+              </a:pPr>
+              <a:r>
+                <a:rPr lang="en-US" sz="1200">
+                  <a:effectLst/>
+                  <a:ea typeface="MS Mincho" panose="02020609040205080304" pitchFamily="49" charset="-128"/>
+                  <a:cs typeface="Times New Roman" panose="02020603050405020304" pitchFamily="18" charset="0"/>
+                </a:rPr>
+                <a:t>Teacher</a:t>
+              </a:r>
+            </a:p>
+          </p:txBody>
+        </p:sp>
+        <p:sp>
+          <p:nvSpPr>
+            <p:cNvPr id="113" name="Oval 112"/>
+            <p:cNvSpPr/>
+            <p:nvPr/>
+          </p:nvSpPr>
+          <p:spPr>
+            <a:xfrm>
+              <a:off x="6346209" y="122830"/>
+              <a:ext cx="814070" cy="493395"/>
+            </a:xfrm>
+            <a:prstGeom prst="ellipse">
+              <a:avLst/>
+            </a:prstGeom>
+            <a:ln/>
+          </p:spPr>
+          <p:style>
+            <a:lnRef idx="1">
+              <a:schemeClr val="accent1"/>
+            </a:lnRef>
+            <a:fillRef idx="3">
+              <a:schemeClr val="accent1"/>
+            </a:fillRef>
+            <a:effectRef idx="2">
+              <a:schemeClr val="accent1"/>
+            </a:effectRef>
+            <a:fontRef idx="minor">
+              <a:schemeClr val="lt1"/>
+            </a:fontRef>
+          </p:style>
+          <p:txBody>
+            <a:bodyPr/>
+            <a:lstStyle/>
+            <a:p>
+              <a:pPr marL="0" marR="0" algn="ctr">
+                <a:spcBef>
+                  <a:spcPts val="0"/>
+                </a:spcBef>
+                <a:spcAft>
+                  <a:spcPts val="0"/>
+                </a:spcAft>
+              </a:pPr>
+              <a:r>
+                <a:rPr lang="en-US" sz="1000">
+                  <a:effectLst/>
+                  <a:ea typeface="MS Mincho" panose="02020609040205080304" pitchFamily="49" charset="-128"/>
+                  <a:cs typeface="Times New Roman" panose="02020603050405020304" pitchFamily="18" charset="0"/>
+                </a:rPr>
+                <a:t>Name</a:t>
+              </a:r>
+              <a:endParaRPr lang="en-US" sz="1200">
+                <a:effectLst/>
+                <a:ea typeface="MS Mincho" panose="02020609040205080304" pitchFamily="49" charset="-128"/>
+                <a:cs typeface="Times New Roman" panose="02020603050405020304" pitchFamily="18" charset="0"/>
+              </a:endParaRPr>
+            </a:p>
+          </p:txBody>
+        </p:sp>
+        <p:sp>
+          <p:nvSpPr>
+            <p:cNvPr id="114" name="Oval 113"/>
+            <p:cNvSpPr/>
+            <p:nvPr/>
+          </p:nvSpPr>
+          <p:spPr>
+            <a:xfrm>
+              <a:off x="5895833" y="573206"/>
+              <a:ext cx="814070" cy="493395"/>
+            </a:xfrm>
+            <a:prstGeom prst="ellipse">
+              <a:avLst/>
+            </a:prstGeom>
+            <a:ln/>
+          </p:spPr>
+          <p:style>
+            <a:lnRef idx="1">
+              <a:schemeClr val="accent1"/>
+            </a:lnRef>
+            <a:fillRef idx="3">
+              <a:schemeClr val="accent1"/>
+            </a:fillRef>
+            <a:effectRef idx="2">
+              <a:schemeClr val="accent1"/>
+            </a:effectRef>
+            <a:fontRef idx="minor">
+              <a:schemeClr val="lt1"/>
+            </a:fontRef>
+          </p:style>
+          <p:txBody>
+            <a:bodyPr/>
+            <a:lstStyle/>
+            <a:p>
+              <a:pPr marL="0" marR="0" algn="ctr">
+                <a:spcBef>
+                  <a:spcPts val="0"/>
+                </a:spcBef>
+                <a:spcAft>
+                  <a:spcPts val="0"/>
+                </a:spcAft>
+              </a:pPr>
+              <a:r>
+                <a:rPr lang="en-US" sz="1000" u="sng">
+                  <a:effectLst/>
+                  <a:ea typeface="MS Mincho" panose="02020609040205080304" pitchFamily="49" charset="-128"/>
+                  <a:cs typeface="Times New Roman" panose="02020603050405020304" pitchFamily="18" charset="0"/>
+                </a:rPr>
+                <a:t>ID</a:t>
+              </a:r>
+              <a:endParaRPr lang="en-US" sz="1200">
+                <a:effectLst/>
+                <a:ea typeface="MS Mincho" panose="02020609040205080304" pitchFamily="49" charset="-128"/>
+                <a:cs typeface="Times New Roman" panose="02020603050405020304" pitchFamily="18" charset="0"/>
+              </a:endParaRPr>
+            </a:p>
+          </p:txBody>
+        </p:sp>
+        <p:sp>
+          <p:nvSpPr>
+            <p:cNvPr id="115" name="Oval 114"/>
+            <p:cNvSpPr/>
+            <p:nvPr/>
+          </p:nvSpPr>
+          <p:spPr>
+            <a:xfrm>
+              <a:off x="8065827" y="232012"/>
+              <a:ext cx="1257300" cy="457200"/>
+            </a:xfrm>
+            <a:prstGeom prst="ellipse">
+              <a:avLst/>
+            </a:prstGeom>
+            <a:ln/>
+          </p:spPr>
+          <p:style>
+            <a:lnRef idx="1">
+              <a:schemeClr val="accent1"/>
+            </a:lnRef>
+            <a:fillRef idx="3">
+              <a:schemeClr val="accent1"/>
+            </a:fillRef>
+            <a:effectRef idx="2">
+              <a:schemeClr val="accent1"/>
+            </a:effectRef>
+            <a:fontRef idx="minor">
+              <a:schemeClr val="lt1"/>
+            </a:fontRef>
+          </p:style>
+          <p:txBody>
+            <a:bodyPr wrap="square">
+              <a:noAutofit/>
+            </a:bodyPr>
+            <a:lstStyle/>
+            <a:p>
+              <a:pPr marL="0" marR="0" algn="ctr">
+                <a:spcBef>
+                  <a:spcPts val="0"/>
+                </a:spcBef>
+                <a:spcAft>
+                  <a:spcPts val="0"/>
+                </a:spcAft>
+              </a:pPr>
+              <a:r>
+                <a:rPr lang="en-US" sz="1000">
+                  <a:effectLst/>
+                  <a:ea typeface="MS Mincho" panose="02020609040205080304" pitchFamily="49" charset="-128"/>
+                  <a:cs typeface="Times New Roman" panose="02020603050405020304" pitchFamily="18" charset="0"/>
+                </a:rPr>
+                <a:t>Description</a:t>
+              </a:r>
+              <a:endParaRPr lang="en-US" sz="1200">
+                <a:effectLst/>
+                <a:ea typeface="MS Mincho" panose="02020609040205080304" pitchFamily="49" charset="-128"/>
+                <a:cs typeface="Times New Roman" panose="02020603050405020304" pitchFamily="18" charset="0"/>
+              </a:endParaRPr>
+            </a:p>
+          </p:txBody>
+        </p:sp>
+        <p:sp>
+          <p:nvSpPr>
+            <p:cNvPr id="116" name="Oval 115"/>
+            <p:cNvSpPr/>
+            <p:nvPr/>
+          </p:nvSpPr>
+          <p:spPr>
+            <a:xfrm>
+              <a:off x="7151427" y="0"/>
+              <a:ext cx="1042670" cy="379095"/>
+            </a:xfrm>
+            <a:prstGeom prst="ellipse">
+              <a:avLst/>
+            </a:prstGeom>
+            <a:ln/>
+          </p:spPr>
+          <p:style>
+            <a:lnRef idx="1">
+              <a:schemeClr val="accent1"/>
+            </a:lnRef>
+            <a:fillRef idx="3">
+              <a:schemeClr val="accent1"/>
+            </a:fillRef>
+            <a:effectRef idx="2">
+              <a:schemeClr val="accent1"/>
+            </a:effectRef>
+            <a:fontRef idx="minor">
+              <a:schemeClr val="lt1"/>
+            </a:fontRef>
+          </p:style>
+          <p:txBody>
+            <a:bodyPr wrap="square">
+              <a:noAutofit/>
+            </a:bodyPr>
+            <a:lstStyle/>
+            <a:p>
+              <a:pPr marL="0" marR="0" algn="ctr">
+                <a:spcBef>
+                  <a:spcPts val="0"/>
+                </a:spcBef>
+                <a:spcAft>
+                  <a:spcPts val="0"/>
+                </a:spcAft>
+              </a:pPr>
+              <a:r>
+                <a:rPr lang="en-US" sz="1000">
+                  <a:effectLst/>
+                  <a:ea typeface="MS Mincho" panose="02020609040205080304" pitchFamily="49" charset="-128"/>
+                  <a:cs typeface="Times New Roman" panose="02020603050405020304" pitchFamily="18" charset="0"/>
+                </a:rPr>
+                <a:t>Weight</a:t>
+              </a:r>
+              <a:endParaRPr lang="en-US" sz="1200">
+                <a:effectLst/>
+                <a:ea typeface="MS Mincho" panose="02020609040205080304" pitchFamily="49" charset="-128"/>
+                <a:cs typeface="Times New Roman" panose="02020603050405020304" pitchFamily="18" charset="0"/>
+              </a:endParaRPr>
+            </a:p>
+            <a:p>
+              <a:pPr marL="0" marR="0">
+                <a:spcBef>
+                  <a:spcPts val="0"/>
+                </a:spcBef>
+                <a:spcAft>
+                  <a:spcPts val="0"/>
+                </a:spcAft>
+              </a:pPr>
+              <a:r>
+                <a:rPr lang="en-US" sz="1200">
+                  <a:effectLst/>
+                  <a:ea typeface="MS Mincho" panose="02020609040205080304" pitchFamily="49" charset="-128"/>
+                  <a:cs typeface="Times New Roman" panose="02020603050405020304" pitchFamily="18" charset="0"/>
+                </a:rPr>
+                <a:t> </a:t>
+              </a:r>
+            </a:p>
+          </p:txBody>
+        </p:sp>
+        <p:sp>
+          <p:nvSpPr>
+            <p:cNvPr id="117" name="Oval 116"/>
+            <p:cNvSpPr/>
+            <p:nvPr/>
+          </p:nvSpPr>
+          <p:spPr>
+            <a:xfrm>
+              <a:off x="8871045" y="696036"/>
+              <a:ext cx="800100" cy="342900"/>
+            </a:xfrm>
+            <a:prstGeom prst="ellipse">
+              <a:avLst/>
+            </a:prstGeom>
+            <a:ln/>
+          </p:spPr>
+          <p:style>
+            <a:lnRef idx="1">
+              <a:schemeClr val="accent1"/>
+            </a:lnRef>
+            <a:fillRef idx="3">
+              <a:schemeClr val="accent1"/>
+            </a:fillRef>
+            <a:effectRef idx="2">
+              <a:schemeClr val="accent1"/>
+            </a:effectRef>
+            <a:fontRef idx="minor">
+              <a:schemeClr val="lt1"/>
+            </a:fontRef>
+          </p:style>
+          <p:txBody>
+            <a:bodyPr wrap="square">
+              <a:noAutofit/>
+            </a:bodyPr>
+            <a:lstStyle/>
+            <a:p>
+              <a:pPr marL="0" marR="0" algn="ctr">
+                <a:spcBef>
+                  <a:spcPts val="0"/>
+                </a:spcBef>
+                <a:spcAft>
+                  <a:spcPts val="0"/>
+                </a:spcAft>
+              </a:pPr>
+              <a:r>
+                <a:rPr lang="en-US" sz="1000">
+                  <a:effectLst/>
+                  <a:ea typeface="MS Mincho" panose="02020609040205080304" pitchFamily="49" charset="-128"/>
+                  <a:cs typeface="Times New Roman" panose="02020603050405020304" pitchFamily="18" charset="0"/>
+                </a:rPr>
+                <a:t>Total</a:t>
+              </a:r>
+              <a:endParaRPr lang="en-US" sz="1200">
+                <a:effectLst/>
+                <a:ea typeface="MS Mincho" panose="02020609040205080304" pitchFamily="49" charset="-128"/>
+                <a:cs typeface="Times New Roman" panose="02020603050405020304" pitchFamily="18" charset="0"/>
+              </a:endParaRPr>
+            </a:p>
+          </p:txBody>
+        </p:sp>
+        <p:sp>
+          <p:nvSpPr>
+            <p:cNvPr id="118" name="Diamond 117"/>
+            <p:cNvSpPr/>
+            <p:nvPr/>
+          </p:nvSpPr>
+          <p:spPr>
+            <a:xfrm>
+              <a:off x="4285397" y="1269242"/>
+              <a:ext cx="1714500" cy="800100"/>
+            </a:xfrm>
+            <a:prstGeom prst="diamond">
+              <a:avLst/>
+            </a:prstGeom>
+            <a:ln/>
+          </p:spPr>
+          <p:style>
+            <a:lnRef idx="1">
+              <a:schemeClr val="accent1"/>
+            </a:lnRef>
+            <a:fillRef idx="3">
+              <a:schemeClr val="accent1"/>
+            </a:fillRef>
+            <a:effectRef idx="2">
+              <a:schemeClr val="accent1"/>
+            </a:effectRef>
+            <a:fontRef idx="minor">
+              <a:schemeClr val="lt1"/>
+            </a:fontRef>
+          </p:style>
+          <p:txBody>
+            <a:bodyPr wrap="square">
+              <a:noAutofit/>
+            </a:bodyPr>
+            <a:lstStyle/>
+            <a:p>
+              <a:pPr marL="0" marR="0" algn="ctr">
+                <a:spcBef>
+                  <a:spcPts val="0"/>
+                </a:spcBef>
+                <a:spcAft>
+                  <a:spcPts val="0"/>
+                </a:spcAft>
+              </a:pPr>
+              <a:r>
+                <a:rPr lang="en-US" sz="1000">
+                  <a:effectLst/>
+                  <a:ea typeface="MS Mincho" panose="02020609040205080304" pitchFamily="49" charset="-128"/>
+                  <a:cs typeface="Times New Roman" panose="02020603050405020304" pitchFamily="18" charset="0"/>
+                </a:rPr>
+                <a:t>Submitted For</a:t>
+              </a:r>
+              <a:endParaRPr lang="en-US" sz="1200">
+                <a:effectLst/>
+                <a:ea typeface="MS Mincho" panose="02020609040205080304" pitchFamily="49" charset="-128"/>
+                <a:cs typeface="Times New Roman" panose="02020603050405020304" pitchFamily="18" charset="0"/>
+              </a:endParaRPr>
+            </a:p>
+          </p:txBody>
+        </p:sp>
+        <p:sp>
+          <p:nvSpPr>
+            <p:cNvPr id="119" name="Oval 118"/>
+            <p:cNvSpPr/>
+            <p:nvPr/>
+          </p:nvSpPr>
+          <p:spPr>
+            <a:xfrm>
+              <a:off x="3152633" y="464024"/>
+              <a:ext cx="814070" cy="493395"/>
+            </a:xfrm>
+            <a:prstGeom prst="ellipse">
+              <a:avLst/>
+            </a:prstGeom>
+            <a:ln/>
+          </p:spPr>
+          <p:style>
+            <a:lnRef idx="1">
+              <a:schemeClr val="accent1"/>
+            </a:lnRef>
+            <a:fillRef idx="3">
+              <a:schemeClr val="accent1"/>
+            </a:fillRef>
+            <a:effectRef idx="2">
+              <a:schemeClr val="accent1"/>
+            </a:effectRef>
+            <a:fontRef idx="minor">
+              <a:schemeClr val="lt1"/>
+            </a:fontRef>
+          </p:style>
+          <p:txBody>
+            <a:bodyPr/>
+            <a:lstStyle/>
+            <a:p>
+              <a:pPr marL="0" marR="0" algn="ctr">
+                <a:spcBef>
+                  <a:spcPts val="0"/>
+                </a:spcBef>
+                <a:spcAft>
+                  <a:spcPts val="0"/>
+                </a:spcAft>
+              </a:pPr>
+              <a:r>
+                <a:rPr lang="en-US" sz="1000">
+                  <a:effectLst/>
+                  <a:ea typeface="MS Mincho" panose="02020609040205080304" pitchFamily="49" charset="-128"/>
+                  <a:cs typeface="Times New Roman" panose="02020603050405020304" pitchFamily="18" charset="0"/>
+                </a:rPr>
+                <a:t>Name</a:t>
+              </a:r>
+              <a:endParaRPr lang="en-US" sz="1200">
+                <a:effectLst/>
+                <a:ea typeface="MS Mincho" panose="02020609040205080304" pitchFamily="49" charset="-128"/>
+                <a:cs typeface="Times New Roman" panose="02020603050405020304" pitchFamily="18" charset="0"/>
+              </a:endParaRPr>
+            </a:p>
+          </p:txBody>
+        </p:sp>
+        <p:sp>
+          <p:nvSpPr>
+            <p:cNvPr id="120" name="Oval 119"/>
+            <p:cNvSpPr/>
+            <p:nvPr/>
+          </p:nvSpPr>
+          <p:spPr>
+            <a:xfrm>
+              <a:off x="0" y="968991"/>
+              <a:ext cx="914400" cy="457200"/>
+            </a:xfrm>
+            <a:prstGeom prst="ellipse">
+              <a:avLst/>
+            </a:prstGeom>
+            <a:ln/>
+          </p:spPr>
+          <p:style>
+            <a:lnRef idx="1">
+              <a:schemeClr val="accent1"/>
+            </a:lnRef>
+            <a:fillRef idx="3">
+              <a:schemeClr val="accent1"/>
+            </a:fillRef>
+            <a:effectRef idx="2">
+              <a:schemeClr val="accent1"/>
+            </a:effectRef>
+            <a:fontRef idx="minor">
+              <a:schemeClr val="lt1"/>
+            </a:fontRef>
+          </p:style>
+          <p:txBody>
+            <a:bodyPr wrap="square">
+              <a:noAutofit/>
+            </a:bodyPr>
+            <a:lstStyle/>
+            <a:p>
+              <a:pPr marL="0" marR="0" algn="ctr">
+                <a:spcBef>
+                  <a:spcPts val="0"/>
+                </a:spcBef>
+                <a:spcAft>
+                  <a:spcPts val="0"/>
+                </a:spcAft>
+              </a:pPr>
+              <a:r>
+                <a:rPr lang="en-US" sz="1000">
+                  <a:effectLst/>
+                  <a:ea typeface="MS Mincho" panose="02020609040205080304" pitchFamily="49" charset="-128"/>
+                  <a:cs typeface="Times New Roman" panose="02020603050405020304" pitchFamily="18" charset="0"/>
+                </a:rPr>
+                <a:t>Weight</a:t>
+              </a:r>
+              <a:endParaRPr lang="en-US" sz="1200">
+                <a:effectLst/>
+                <a:ea typeface="MS Mincho" panose="02020609040205080304" pitchFamily="49" charset="-128"/>
+                <a:cs typeface="Times New Roman" panose="02020603050405020304" pitchFamily="18" charset="0"/>
+              </a:endParaRPr>
+            </a:p>
+          </p:txBody>
+        </p:sp>
+        <p:sp>
+          <p:nvSpPr>
+            <p:cNvPr id="121" name="Oval 120"/>
+            <p:cNvSpPr/>
+            <p:nvPr/>
+          </p:nvSpPr>
+          <p:spPr>
+            <a:xfrm>
+              <a:off x="409433" y="464024"/>
+              <a:ext cx="1257300" cy="457200"/>
+            </a:xfrm>
+            <a:prstGeom prst="ellipse">
+              <a:avLst/>
+            </a:prstGeom>
+            <a:ln/>
+          </p:spPr>
+          <p:style>
+            <a:lnRef idx="1">
+              <a:schemeClr val="accent1"/>
+            </a:lnRef>
+            <a:fillRef idx="3">
+              <a:schemeClr val="accent1"/>
+            </a:fillRef>
+            <a:effectRef idx="2">
+              <a:schemeClr val="accent1"/>
+            </a:effectRef>
+            <a:fontRef idx="minor">
+              <a:schemeClr val="lt1"/>
+            </a:fontRef>
+          </p:style>
+          <p:txBody>
+            <a:bodyPr wrap="square">
+              <a:noAutofit/>
+            </a:bodyPr>
+            <a:lstStyle/>
+            <a:p>
+              <a:pPr marL="0" marR="0" algn="ctr">
+                <a:spcBef>
+                  <a:spcPts val="0"/>
+                </a:spcBef>
+                <a:spcAft>
+                  <a:spcPts val="0"/>
+                </a:spcAft>
+              </a:pPr>
+              <a:r>
+                <a:rPr lang="en-US" sz="1000">
+                  <a:effectLst/>
+                  <a:ea typeface="MS Mincho" panose="02020609040205080304" pitchFamily="49" charset="-128"/>
+                  <a:cs typeface="Times New Roman" panose="02020603050405020304" pitchFamily="18" charset="0"/>
+                </a:rPr>
+                <a:t>Description</a:t>
+              </a:r>
+              <a:endParaRPr lang="en-US" sz="1200">
+                <a:effectLst/>
+                <a:ea typeface="MS Mincho" panose="02020609040205080304" pitchFamily="49" charset="-128"/>
+                <a:cs typeface="Times New Roman" panose="02020603050405020304" pitchFamily="18" charset="0"/>
+              </a:endParaRPr>
+            </a:p>
+          </p:txBody>
+        </p:sp>
+        <p:sp>
+          <p:nvSpPr>
+            <p:cNvPr id="122" name="Oval 121"/>
+            <p:cNvSpPr/>
+            <p:nvPr/>
+          </p:nvSpPr>
+          <p:spPr>
+            <a:xfrm>
+              <a:off x="2347415" y="122830"/>
+              <a:ext cx="814070" cy="493395"/>
+            </a:xfrm>
+            <a:prstGeom prst="ellipse">
+              <a:avLst/>
+            </a:prstGeom>
+            <a:ln/>
+          </p:spPr>
+          <p:style>
+            <a:lnRef idx="1">
+              <a:schemeClr val="accent1"/>
+            </a:lnRef>
+            <a:fillRef idx="3">
+              <a:schemeClr val="accent1"/>
+            </a:fillRef>
+            <a:effectRef idx="2">
+              <a:schemeClr val="accent1"/>
+            </a:effectRef>
+            <a:fontRef idx="minor">
+              <a:schemeClr val="lt1"/>
+            </a:fontRef>
+          </p:style>
+          <p:txBody>
+            <a:bodyPr/>
+            <a:lstStyle/>
+            <a:p>
+              <a:pPr marL="0" marR="0" algn="ctr">
+                <a:spcBef>
+                  <a:spcPts val="0"/>
+                </a:spcBef>
+                <a:spcAft>
+                  <a:spcPts val="0"/>
+                </a:spcAft>
+              </a:pPr>
+              <a:r>
+                <a:rPr lang="en-US" sz="1000">
+                  <a:effectLst/>
+                  <a:ea typeface="MS Mincho" panose="02020609040205080304" pitchFamily="49" charset="-128"/>
+                  <a:cs typeface="Times New Roman" panose="02020603050405020304" pitchFamily="18" charset="0"/>
+                </a:rPr>
+                <a:t>Total</a:t>
+              </a:r>
+              <a:endParaRPr lang="en-US" sz="1200">
+                <a:effectLst/>
+                <a:ea typeface="MS Mincho" panose="02020609040205080304" pitchFamily="49" charset="-128"/>
+                <a:cs typeface="Times New Roman" panose="02020603050405020304" pitchFamily="18" charset="0"/>
+              </a:endParaRPr>
+            </a:p>
+          </p:txBody>
+        </p:sp>
+        <p:sp>
+          <p:nvSpPr>
+            <p:cNvPr id="123" name="Oval 122"/>
+            <p:cNvSpPr/>
+            <p:nvPr/>
+          </p:nvSpPr>
+          <p:spPr>
+            <a:xfrm>
+              <a:off x="1433015" y="0"/>
+              <a:ext cx="814070" cy="493395"/>
+            </a:xfrm>
+            <a:prstGeom prst="ellipse">
+              <a:avLst/>
+            </a:prstGeom>
+            <a:ln/>
+          </p:spPr>
+          <p:style>
+            <a:lnRef idx="1">
+              <a:schemeClr val="accent1"/>
+            </a:lnRef>
+            <a:fillRef idx="3">
+              <a:schemeClr val="accent1"/>
+            </a:fillRef>
+            <a:effectRef idx="2">
+              <a:schemeClr val="accent1"/>
+            </a:effectRef>
+            <a:fontRef idx="minor">
+              <a:schemeClr val="lt1"/>
+            </a:fontRef>
+          </p:style>
+          <p:txBody>
+            <a:bodyPr/>
+            <a:lstStyle/>
+            <a:p>
+              <a:pPr marL="0" marR="0" algn="ctr">
+                <a:spcBef>
+                  <a:spcPts val="0"/>
+                </a:spcBef>
+                <a:spcAft>
+                  <a:spcPts val="0"/>
+                </a:spcAft>
+              </a:pPr>
+              <a:r>
+                <a:rPr lang="en-US" sz="1000" u="sng">
+                  <a:effectLst/>
+                  <a:ea typeface="MS Mincho" panose="02020609040205080304" pitchFamily="49" charset="-128"/>
+                  <a:cs typeface="Times New Roman" panose="02020603050405020304" pitchFamily="18" charset="0"/>
+                </a:rPr>
+                <a:t>ID</a:t>
+              </a:r>
+              <a:endParaRPr lang="en-US" sz="1200">
+                <a:effectLst/>
+                <a:ea typeface="MS Mincho" panose="02020609040205080304" pitchFamily="49" charset="-128"/>
+                <a:cs typeface="Times New Roman" panose="02020603050405020304" pitchFamily="18" charset="0"/>
+              </a:endParaRPr>
+            </a:p>
+          </p:txBody>
+        </p:sp>
+        <p:sp>
+          <p:nvSpPr>
+            <p:cNvPr id="124" name="Diamond 123"/>
+            <p:cNvSpPr/>
+            <p:nvPr/>
+          </p:nvSpPr>
+          <p:spPr>
+            <a:xfrm>
+              <a:off x="68239" y="4121624"/>
+              <a:ext cx="1761490" cy="623570"/>
+            </a:xfrm>
+            <a:prstGeom prst="diamond">
+              <a:avLst/>
+            </a:prstGeom>
+            <a:ln/>
+          </p:spPr>
+          <p:style>
+            <a:lnRef idx="1">
+              <a:schemeClr val="accent1"/>
+            </a:lnRef>
+            <a:fillRef idx="3">
+              <a:schemeClr val="accent1"/>
+            </a:fillRef>
+            <a:effectRef idx="2">
+              <a:schemeClr val="accent1"/>
+            </a:effectRef>
+            <a:fontRef idx="minor">
+              <a:schemeClr val="lt1"/>
+            </a:fontRef>
+          </p:style>
+          <p:txBody>
+            <a:bodyPr wrap="square">
+              <a:noAutofit/>
+            </a:bodyPr>
+            <a:lstStyle/>
+            <a:p>
+              <a:pPr marL="0" marR="0">
+                <a:spcBef>
+                  <a:spcPts val="0"/>
+                </a:spcBef>
+                <a:spcAft>
+                  <a:spcPts val="0"/>
+                </a:spcAft>
+              </a:pPr>
+              <a:r>
+                <a:rPr lang="en-US" sz="1000">
+                  <a:effectLst/>
+                  <a:ea typeface="MS Mincho" panose="02020609040205080304" pitchFamily="49" charset="-128"/>
+                  <a:cs typeface="Times New Roman" panose="02020603050405020304" pitchFamily="18" charset="0"/>
+                </a:rPr>
+                <a:t>Assignment</a:t>
+              </a:r>
+              <a:endParaRPr lang="en-US" sz="1200">
+                <a:effectLst/>
+                <a:ea typeface="MS Mincho" panose="02020609040205080304" pitchFamily="49" charset="-128"/>
+                <a:cs typeface="Times New Roman" panose="02020603050405020304" pitchFamily="18" charset="0"/>
+              </a:endParaRPr>
+            </a:p>
+          </p:txBody>
+        </p:sp>
+        <p:sp>
+          <p:nvSpPr>
+            <p:cNvPr id="125" name="Oval 124"/>
+            <p:cNvSpPr/>
+            <p:nvPr/>
+          </p:nvSpPr>
+          <p:spPr>
+            <a:xfrm>
+              <a:off x="1555845" y="2524836"/>
+              <a:ext cx="814070" cy="493395"/>
+            </a:xfrm>
+            <a:prstGeom prst="ellipse">
+              <a:avLst/>
+            </a:prstGeom>
+            <a:ln/>
+          </p:spPr>
+          <p:style>
+            <a:lnRef idx="1">
+              <a:schemeClr val="accent1"/>
+            </a:lnRef>
+            <a:fillRef idx="3">
+              <a:schemeClr val="accent1"/>
+            </a:fillRef>
+            <a:effectRef idx="2">
+              <a:schemeClr val="accent1"/>
+            </a:effectRef>
+            <a:fontRef idx="minor">
+              <a:schemeClr val="lt1"/>
+            </a:fontRef>
+          </p:style>
+          <p:txBody>
+            <a:bodyPr/>
+            <a:lstStyle/>
+            <a:p>
+              <a:pPr marL="0" marR="0" algn="ctr">
+                <a:spcBef>
+                  <a:spcPts val="0"/>
+                </a:spcBef>
+                <a:spcAft>
+                  <a:spcPts val="0"/>
+                </a:spcAft>
+              </a:pPr>
+              <a:r>
+                <a:rPr lang="en-US" sz="1000" u="sng">
+                  <a:effectLst/>
+                  <a:ea typeface="MS Mincho" panose="02020609040205080304" pitchFamily="49" charset="-128"/>
+                  <a:cs typeface="Times New Roman" panose="02020603050405020304" pitchFamily="18" charset="0"/>
+                </a:rPr>
+                <a:t>ID</a:t>
+              </a:r>
+              <a:endParaRPr lang="en-US" sz="1200">
+                <a:effectLst/>
+                <a:ea typeface="MS Mincho" panose="02020609040205080304" pitchFamily="49" charset="-128"/>
+                <a:cs typeface="Times New Roman" panose="02020603050405020304" pitchFamily="18" charset="0"/>
+              </a:endParaRPr>
+            </a:p>
+          </p:txBody>
+        </p:sp>
+        <p:sp>
+          <p:nvSpPr>
+            <p:cNvPr id="126" name="Oval 125"/>
+            <p:cNvSpPr/>
+            <p:nvPr/>
+          </p:nvSpPr>
+          <p:spPr>
+            <a:xfrm>
+              <a:off x="3029803" y="2975212"/>
+              <a:ext cx="814070" cy="493395"/>
+            </a:xfrm>
+            <a:prstGeom prst="ellipse">
+              <a:avLst/>
+            </a:prstGeom>
+            <a:ln/>
+          </p:spPr>
+          <p:style>
+            <a:lnRef idx="1">
+              <a:schemeClr val="accent1"/>
+            </a:lnRef>
+            <a:fillRef idx="3">
+              <a:schemeClr val="accent1"/>
+            </a:fillRef>
+            <a:effectRef idx="2">
+              <a:schemeClr val="accent1"/>
+            </a:effectRef>
+            <a:fontRef idx="minor">
+              <a:schemeClr val="lt1"/>
+            </a:fontRef>
+          </p:style>
+          <p:txBody>
+            <a:bodyPr/>
+            <a:lstStyle/>
+            <a:p>
+              <a:pPr marL="0" marR="0" algn="ctr">
+                <a:spcBef>
+                  <a:spcPts val="0"/>
+                </a:spcBef>
+                <a:spcAft>
+                  <a:spcPts val="0"/>
+                </a:spcAft>
+              </a:pPr>
+              <a:r>
+                <a:rPr lang="en-US" sz="1000">
+                  <a:effectLst/>
+                  <a:ea typeface="MS Mincho" panose="02020609040205080304" pitchFamily="49" charset="-128"/>
+                  <a:cs typeface="Times New Roman" panose="02020603050405020304" pitchFamily="18" charset="0"/>
+                </a:rPr>
+                <a:t>Major</a:t>
+              </a:r>
+              <a:endParaRPr lang="en-US" sz="1200">
+                <a:effectLst/>
+                <a:ea typeface="MS Mincho" panose="02020609040205080304" pitchFamily="49" charset="-128"/>
+                <a:cs typeface="Times New Roman" panose="02020603050405020304" pitchFamily="18" charset="0"/>
+              </a:endParaRPr>
+            </a:p>
+          </p:txBody>
+        </p:sp>
+        <p:sp>
+          <p:nvSpPr>
+            <p:cNvPr id="127" name="Oval 126"/>
+            <p:cNvSpPr/>
+            <p:nvPr/>
+          </p:nvSpPr>
+          <p:spPr>
+            <a:xfrm>
+              <a:off x="2470245" y="2524836"/>
+              <a:ext cx="814070" cy="493395"/>
+            </a:xfrm>
+            <a:prstGeom prst="ellipse">
+              <a:avLst/>
+            </a:prstGeom>
+            <a:ln/>
+          </p:spPr>
+          <p:style>
+            <a:lnRef idx="1">
+              <a:schemeClr val="accent1"/>
+            </a:lnRef>
+            <a:fillRef idx="3">
+              <a:schemeClr val="accent1"/>
+            </a:fillRef>
+            <a:effectRef idx="2">
+              <a:schemeClr val="accent1"/>
+            </a:effectRef>
+            <a:fontRef idx="minor">
+              <a:schemeClr val="lt1"/>
+            </a:fontRef>
+          </p:style>
+          <p:txBody>
+            <a:bodyPr/>
+            <a:lstStyle/>
+            <a:p>
+              <a:pPr marL="0" marR="0" algn="ctr">
+                <a:spcBef>
+                  <a:spcPts val="0"/>
+                </a:spcBef>
+                <a:spcAft>
+                  <a:spcPts val="0"/>
+                </a:spcAft>
+              </a:pPr>
+              <a:r>
+                <a:rPr lang="en-US" sz="1000">
+                  <a:effectLst/>
+                  <a:ea typeface="MS Mincho" panose="02020609040205080304" pitchFamily="49" charset="-128"/>
+                  <a:cs typeface="Times New Roman" panose="02020603050405020304" pitchFamily="18" charset="0"/>
+                </a:rPr>
+                <a:t>Email</a:t>
+              </a:r>
+              <a:endParaRPr lang="en-US" sz="1200">
+                <a:effectLst/>
+                <a:ea typeface="MS Mincho" panose="02020609040205080304" pitchFamily="49" charset="-128"/>
+                <a:cs typeface="Times New Roman" panose="02020603050405020304" pitchFamily="18" charset="0"/>
+              </a:endParaRPr>
+            </a:p>
+          </p:txBody>
+        </p:sp>
+        <p:sp>
+          <p:nvSpPr>
+            <p:cNvPr id="128" name="Oval 127"/>
+            <p:cNvSpPr/>
+            <p:nvPr/>
+          </p:nvSpPr>
+          <p:spPr>
+            <a:xfrm>
+              <a:off x="2688609" y="4462818"/>
+              <a:ext cx="814070" cy="493395"/>
+            </a:xfrm>
+            <a:prstGeom prst="ellipse">
+              <a:avLst/>
+            </a:prstGeom>
+            <a:ln/>
+          </p:spPr>
+          <p:style>
+            <a:lnRef idx="1">
+              <a:schemeClr val="accent1"/>
+            </a:lnRef>
+            <a:fillRef idx="3">
+              <a:schemeClr val="accent1"/>
+            </a:fillRef>
+            <a:effectRef idx="2">
+              <a:schemeClr val="accent1"/>
+            </a:effectRef>
+            <a:fontRef idx="minor">
+              <a:schemeClr val="lt1"/>
+            </a:fontRef>
+          </p:style>
+          <p:txBody>
+            <a:bodyPr/>
+            <a:lstStyle/>
+            <a:p>
+              <a:pPr marL="0" marR="0" algn="ctr">
+                <a:spcBef>
+                  <a:spcPts val="0"/>
+                </a:spcBef>
+                <a:spcAft>
+                  <a:spcPts val="0"/>
+                </a:spcAft>
+              </a:pPr>
+              <a:r>
+                <a:rPr lang="en-US" sz="1000" u="sng">
+                  <a:effectLst/>
+                  <a:ea typeface="MS Mincho" panose="02020609040205080304" pitchFamily="49" charset="-128"/>
+                  <a:cs typeface="Times New Roman" panose="02020603050405020304" pitchFamily="18" charset="0"/>
+                </a:rPr>
+                <a:t>ID</a:t>
+              </a:r>
+              <a:endParaRPr lang="en-US" sz="1200">
+                <a:effectLst/>
+                <a:ea typeface="MS Mincho" panose="02020609040205080304" pitchFamily="49" charset="-128"/>
+                <a:cs typeface="Times New Roman" panose="02020603050405020304" pitchFamily="18" charset="0"/>
+              </a:endParaRPr>
+            </a:p>
+          </p:txBody>
+        </p:sp>
+        <p:sp>
+          <p:nvSpPr>
+            <p:cNvPr id="129" name="Oval 128"/>
+            <p:cNvSpPr/>
+            <p:nvPr/>
+          </p:nvSpPr>
+          <p:spPr>
+            <a:xfrm>
+              <a:off x="177421" y="6400800"/>
+              <a:ext cx="814070" cy="493395"/>
+            </a:xfrm>
+            <a:prstGeom prst="ellipse">
+              <a:avLst/>
+            </a:prstGeom>
+            <a:ln/>
+          </p:spPr>
+          <p:style>
+            <a:lnRef idx="1">
+              <a:schemeClr val="accent1"/>
+            </a:lnRef>
+            <a:fillRef idx="3">
+              <a:schemeClr val="accent1"/>
+            </a:fillRef>
+            <a:effectRef idx="2">
+              <a:schemeClr val="accent1"/>
+            </a:effectRef>
+            <a:fontRef idx="minor">
+              <a:schemeClr val="lt1"/>
+            </a:fontRef>
+          </p:style>
+          <p:txBody>
+            <a:bodyPr/>
+            <a:lstStyle/>
+            <a:p>
+              <a:pPr marL="0" marR="0" algn="ctr">
+                <a:spcBef>
+                  <a:spcPts val="0"/>
+                </a:spcBef>
+                <a:spcAft>
+                  <a:spcPts val="0"/>
+                </a:spcAft>
+              </a:pPr>
+              <a:r>
+                <a:rPr lang="en-US" sz="1000">
+                  <a:effectLst/>
+                  <a:ea typeface="MS Mincho" panose="02020609040205080304" pitchFamily="49" charset="-128"/>
+                  <a:cs typeface="Times New Roman" panose="02020603050405020304" pitchFamily="18" charset="0"/>
+                </a:rPr>
+                <a:t>Name</a:t>
+              </a:r>
+              <a:endParaRPr lang="en-US" sz="1200">
+                <a:effectLst/>
+                <a:ea typeface="MS Mincho" panose="02020609040205080304" pitchFamily="49" charset="-128"/>
+                <a:cs typeface="Times New Roman" panose="02020603050405020304" pitchFamily="18" charset="0"/>
+              </a:endParaRPr>
+            </a:p>
+          </p:txBody>
+        </p:sp>
+        <p:sp>
+          <p:nvSpPr>
+            <p:cNvPr id="130" name="Oval 129"/>
+            <p:cNvSpPr/>
+            <p:nvPr/>
+          </p:nvSpPr>
+          <p:spPr>
+            <a:xfrm>
+              <a:off x="177421" y="5841242"/>
+              <a:ext cx="814070" cy="493395"/>
+            </a:xfrm>
+            <a:prstGeom prst="ellipse">
+              <a:avLst/>
+            </a:prstGeom>
+            <a:ln/>
+          </p:spPr>
+          <p:style>
+            <a:lnRef idx="1">
+              <a:schemeClr val="accent1"/>
+            </a:lnRef>
+            <a:fillRef idx="3">
+              <a:schemeClr val="accent1"/>
+            </a:fillRef>
+            <a:effectRef idx="2">
+              <a:schemeClr val="accent1"/>
+            </a:effectRef>
+            <a:fontRef idx="minor">
+              <a:schemeClr val="lt1"/>
+            </a:fontRef>
+          </p:style>
+          <p:txBody>
+            <a:bodyPr/>
+            <a:lstStyle/>
+            <a:p>
+              <a:pPr marL="0" marR="0" algn="ctr">
+                <a:spcBef>
+                  <a:spcPts val="0"/>
+                </a:spcBef>
+                <a:spcAft>
+                  <a:spcPts val="0"/>
+                </a:spcAft>
+              </a:pPr>
+              <a:r>
+                <a:rPr lang="en-US" sz="1000">
+                  <a:effectLst/>
+                  <a:ea typeface="MS Mincho" panose="02020609040205080304" pitchFamily="49" charset="-128"/>
+                  <a:cs typeface="Times New Roman" panose="02020603050405020304" pitchFamily="18" charset="0"/>
+                </a:rPr>
+                <a:t>Listing</a:t>
+              </a:r>
+              <a:endParaRPr lang="en-US" sz="1200">
+                <a:effectLst/>
+                <a:ea typeface="MS Mincho" panose="02020609040205080304" pitchFamily="49" charset="-128"/>
+                <a:cs typeface="Times New Roman" panose="02020603050405020304" pitchFamily="18" charset="0"/>
+              </a:endParaRPr>
+            </a:p>
+          </p:txBody>
+        </p:sp>
+        <p:sp>
+          <p:nvSpPr>
+            <p:cNvPr id="131" name="Diamond 130"/>
+            <p:cNvSpPr/>
+            <p:nvPr/>
+          </p:nvSpPr>
+          <p:spPr>
+            <a:xfrm>
+              <a:off x="1774209" y="5718412"/>
+              <a:ext cx="1485900" cy="571500"/>
+            </a:xfrm>
+            <a:prstGeom prst="diamond">
+              <a:avLst/>
+            </a:prstGeom>
+            <a:ln/>
+          </p:spPr>
+          <p:style>
+            <a:lnRef idx="1">
+              <a:schemeClr val="accent1"/>
+            </a:lnRef>
+            <a:fillRef idx="3">
+              <a:schemeClr val="accent1"/>
+            </a:fillRef>
+            <a:effectRef idx="2">
+              <a:schemeClr val="accent1"/>
+            </a:effectRef>
+            <a:fontRef idx="minor">
+              <a:schemeClr val="lt1"/>
+            </a:fontRef>
+          </p:style>
+          <p:txBody>
+            <a:bodyPr wrap="square">
+              <a:noAutofit/>
+            </a:bodyPr>
+            <a:lstStyle/>
+            <a:p>
+              <a:pPr marL="0" marR="0" algn="ctr">
+                <a:spcBef>
+                  <a:spcPts val="0"/>
+                </a:spcBef>
+                <a:spcAft>
+                  <a:spcPts val="0"/>
+                </a:spcAft>
+              </a:pPr>
+              <a:r>
+                <a:rPr lang="en-US" sz="1000">
+                  <a:effectLst/>
+                  <a:ea typeface="MS Mincho" panose="02020609040205080304" pitchFamily="49" charset="-128"/>
+                  <a:cs typeface="Times New Roman" panose="02020603050405020304" pitchFamily="18" charset="0"/>
+                </a:rPr>
+                <a:t>Teaches</a:t>
+              </a:r>
+              <a:endParaRPr lang="en-US" sz="1200">
+                <a:effectLst/>
+                <a:ea typeface="MS Mincho" panose="02020609040205080304" pitchFamily="49" charset="-128"/>
+                <a:cs typeface="Times New Roman" panose="02020603050405020304" pitchFamily="18" charset="0"/>
+              </a:endParaRPr>
+            </a:p>
+          </p:txBody>
+        </p:sp>
+        <p:sp>
+          <p:nvSpPr>
+            <p:cNvPr id="132" name="Oval 131"/>
+            <p:cNvSpPr/>
+            <p:nvPr/>
+          </p:nvSpPr>
+          <p:spPr>
+            <a:xfrm>
+              <a:off x="982639" y="2975212"/>
+              <a:ext cx="814070" cy="493395"/>
+            </a:xfrm>
+            <a:prstGeom prst="ellipse">
+              <a:avLst/>
+            </a:prstGeom>
+            <a:ln/>
+          </p:spPr>
+          <p:style>
+            <a:lnRef idx="1">
+              <a:schemeClr val="accent1"/>
+            </a:lnRef>
+            <a:fillRef idx="3">
+              <a:schemeClr val="accent1"/>
+            </a:fillRef>
+            <a:effectRef idx="2">
+              <a:schemeClr val="accent1"/>
+            </a:effectRef>
+            <a:fontRef idx="minor">
+              <a:schemeClr val="lt1"/>
+            </a:fontRef>
+          </p:style>
+          <p:txBody>
+            <a:bodyPr/>
+            <a:lstStyle/>
+            <a:p>
+              <a:pPr marL="0" marR="0" algn="ctr">
+                <a:spcBef>
+                  <a:spcPts val="0"/>
+                </a:spcBef>
+                <a:spcAft>
+                  <a:spcPts val="0"/>
+                </a:spcAft>
+              </a:pPr>
+              <a:r>
+                <a:rPr lang="en-US" sz="1000">
+                  <a:effectLst/>
+                  <a:ea typeface="MS Mincho" panose="02020609040205080304" pitchFamily="49" charset="-128"/>
+                  <a:cs typeface="Times New Roman" panose="02020603050405020304" pitchFamily="18" charset="0"/>
+                </a:rPr>
+                <a:t>Name</a:t>
+              </a:r>
+              <a:endParaRPr lang="en-US" sz="1200">
+                <a:effectLst/>
+                <a:ea typeface="MS Mincho" panose="02020609040205080304" pitchFamily="49" charset="-128"/>
+                <a:cs typeface="Times New Roman" panose="02020603050405020304" pitchFamily="18" charset="0"/>
+              </a:endParaRPr>
+            </a:p>
+          </p:txBody>
+        </p:sp>
+        <p:sp>
+          <p:nvSpPr>
+            <p:cNvPr id="133" name="Oval 132"/>
+            <p:cNvSpPr/>
+            <p:nvPr/>
+          </p:nvSpPr>
+          <p:spPr>
+            <a:xfrm>
+              <a:off x="8175009" y="4353636"/>
+              <a:ext cx="914400" cy="571500"/>
+            </a:xfrm>
+            <a:prstGeom prst="ellipse">
+              <a:avLst/>
+            </a:prstGeom>
+            <a:ln/>
+          </p:spPr>
+          <p:style>
+            <a:lnRef idx="1">
+              <a:schemeClr val="accent1"/>
+            </a:lnRef>
+            <a:fillRef idx="3">
+              <a:schemeClr val="accent1"/>
+            </a:fillRef>
+            <a:effectRef idx="2">
+              <a:schemeClr val="accent1"/>
+            </a:effectRef>
+            <a:fontRef idx="minor">
+              <a:schemeClr val="lt1"/>
+            </a:fontRef>
+          </p:style>
+          <p:txBody>
+            <a:bodyPr wrap="square">
+              <a:noAutofit/>
+            </a:bodyPr>
+            <a:lstStyle/>
+            <a:p>
+              <a:pPr marL="0" marR="0" algn="ctr">
+                <a:spcBef>
+                  <a:spcPts val="0"/>
+                </a:spcBef>
+                <a:spcAft>
+                  <a:spcPts val="0"/>
+                </a:spcAft>
+              </a:pPr>
+              <a:r>
+                <a:rPr lang="en-US" sz="1000" u="sng">
+                  <a:effectLst/>
+                  <a:ea typeface="MS Mincho" panose="02020609040205080304" pitchFamily="49" charset="-128"/>
+                  <a:cs typeface="Times New Roman" panose="02020603050405020304" pitchFamily="18" charset="0"/>
+                </a:rPr>
+                <a:t>Group ID</a:t>
+              </a:r>
+              <a:endParaRPr lang="en-US" sz="1200">
+                <a:effectLst/>
+                <a:ea typeface="MS Mincho" panose="02020609040205080304" pitchFamily="49" charset="-128"/>
+                <a:cs typeface="Times New Roman" panose="02020603050405020304" pitchFamily="18" charset="0"/>
+              </a:endParaRPr>
+            </a:p>
+          </p:txBody>
+        </p:sp>
+        <p:sp>
+          <p:nvSpPr>
+            <p:cNvPr id="134" name="Diamond 133"/>
+            <p:cNvSpPr/>
+            <p:nvPr/>
+          </p:nvSpPr>
+          <p:spPr>
+            <a:xfrm>
+              <a:off x="7151427" y="2524836"/>
+              <a:ext cx="1761490" cy="623570"/>
+            </a:xfrm>
+            <a:prstGeom prst="diamond">
+              <a:avLst/>
+            </a:prstGeom>
+            <a:ln/>
+          </p:spPr>
+          <p:style>
+            <a:lnRef idx="1">
+              <a:schemeClr val="accent1"/>
+            </a:lnRef>
+            <a:fillRef idx="3">
+              <a:schemeClr val="accent1"/>
+            </a:fillRef>
+            <a:effectRef idx="2">
+              <a:schemeClr val="accent1"/>
+            </a:effectRef>
+            <a:fontRef idx="minor">
+              <a:schemeClr val="lt1"/>
+            </a:fontRef>
+          </p:style>
+          <p:txBody>
+            <a:bodyPr wrap="square">
+              <a:noAutofit/>
+            </a:bodyPr>
+            <a:lstStyle/>
+            <a:p>
+              <a:pPr marL="0" marR="0">
+                <a:spcBef>
+                  <a:spcPts val="0"/>
+                </a:spcBef>
+                <a:spcAft>
+                  <a:spcPts val="0"/>
+                </a:spcAft>
+              </a:pPr>
+              <a:r>
+                <a:rPr lang="en-US" sz="1000">
+                  <a:effectLst/>
+                  <a:ea typeface="MS Mincho" panose="02020609040205080304" pitchFamily="49" charset="-128"/>
+                  <a:cs typeface="Times New Roman" panose="02020603050405020304" pitchFamily="18" charset="0"/>
+                </a:rPr>
+                <a:t>Submissions</a:t>
+              </a:r>
+              <a:endParaRPr lang="en-US" sz="1200">
+                <a:effectLst/>
+                <a:ea typeface="MS Mincho" panose="02020609040205080304" pitchFamily="49" charset="-128"/>
+                <a:cs typeface="Times New Roman" panose="02020603050405020304" pitchFamily="18" charset="0"/>
+              </a:endParaRPr>
+            </a:p>
+          </p:txBody>
+        </p:sp>
+        <p:sp>
+          <p:nvSpPr>
+            <p:cNvPr id="135" name="Diamond 134"/>
+            <p:cNvSpPr/>
+            <p:nvPr/>
+          </p:nvSpPr>
+          <p:spPr>
+            <a:xfrm>
+              <a:off x="4408227" y="3657600"/>
+              <a:ext cx="1714500" cy="800100"/>
+            </a:xfrm>
+            <a:prstGeom prst="diamond">
+              <a:avLst/>
+            </a:prstGeom>
+            <a:ln/>
+          </p:spPr>
+          <p:style>
+            <a:lnRef idx="1">
+              <a:schemeClr val="accent1"/>
+            </a:lnRef>
+            <a:fillRef idx="3">
+              <a:schemeClr val="accent1"/>
+            </a:fillRef>
+            <a:effectRef idx="2">
+              <a:schemeClr val="accent1"/>
+            </a:effectRef>
+            <a:fontRef idx="minor">
+              <a:schemeClr val="lt1"/>
+            </a:fontRef>
+          </p:style>
+          <p:txBody>
+            <a:bodyPr wrap="square">
+              <a:noAutofit/>
+            </a:bodyPr>
+            <a:lstStyle/>
+            <a:p>
+              <a:pPr marL="0" marR="0" algn="ctr">
+                <a:spcBef>
+                  <a:spcPts val="0"/>
+                </a:spcBef>
+                <a:spcAft>
+                  <a:spcPts val="0"/>
+                </a:spcAft>
+              </a:pPr>
+              <a:r>
+                <a:rPr lang="en-US" sz="1000">
+                  <a:effectLst/>
+                  <a:ea typeface="MS Mincho" panose="02020609040205080304" pitchFamily="49" charset="-128"/>
+                  <a:cs typeface="Times New Roman" panose="02020603050405020304" pitchFamily="18" charset="0"/>
+                </a:rPr>
+                <a:t>In</a:t>
+              </a:r>
+              <a:endParaRPr lang="en-US" sz="1200">
+                <a:effectLst/>
+                <a:ea typeface="MS Mincho" panose="02020609040205080304" pitchFamily="49" charset="-128"/>
+                <a:cs typeface="Times New Roman" panose="02020603050405020304" pitchFamily="18" charset="0"/>
+              </a:endParaRPr>
+            </a:p>
+          </p:txBody>
+        </p:sp>
+        <p:sp>
+          <p:nvSpPr>
+            <p:cNvPr id="136" name="Oval 135"/>
+            <p:cNvSpPr/>
+            <p:nvPr/>
+          </p:nvSpPr>
+          <p:spPr>
+            <a:xfrm>
+              <a:off x="3603009" y="4572000"/>
+              <a:ext cx="814070" cy="493395"/>
+            </a:xfrm>
+            <a:prstGeom prst="ellipse">
+              <a:avLst/>
+            </a:prstGeom>
+            <a:ln/>
+          </p:spPr>
+          <p:style>
+            <a:lnRef idx="1">
+              <a:schemeClr val="accent1"/>
+            </a:lnRef>
+            <a:fillRef idx="3">
+              <a:schemeClr val="accent1"/>
+            </a:fillRef>
+            <a:effectRef idx="2">
+              <a:schemeClr val="accent1"/>
+            </a:effectRef>
+            <a:fontRef idx="minor">
+              <a:schemeClr val="lt1"/>
+            </a:fontRef>
+          </p:style>
+          <p:txBody>
+            <a:bodyPr/>
+            <a:lstStyle/>
+            <a:p>
+              <a:pPr marL="0" marR="0" algn="ctr">
+                <a:spcBef>
+                  <a:spcPts val="0"/>
+                </a:spcBef>
+                <a:spcAft>
+                  <a:spcPts val="0"/>
+                </a:spcAft>
+              </a:pPr>
+              <a:r>
+                <a:rPr lang="en-US" sz="1000">
+                  <a:effectLst/>
+                  <a:ea typeface="MS Mincho" panose="02020609040205080304" pitchFamily="49" charset="-128"/>
+                  <a:cs typeface="Times New Roman" panose="02020603050405020304" pitchFamily="18" charset="0"/>
+                </a:rPr>
+                <a:t>Email</a:t>
+              </a:r>
+              <a:endParaRPr lang="en-US" sz="1200">
+                <a:effectLst/>
+                <a:ea typeface="MS Mincho" panose="02020609040205080304" pitchFamily="49" charset="-128"/>
+                <a:cs typeface="Times New Roman" panose="02020603050405020304" pitchFamily="18" charset="0"/>
+              </a:endParaRPr>
+            </a:p>
+          </p:txBody>
+        </p:sp>
+        <p:sp>
+          <p:nvSpPr>
+            <p:cNvPr id="137" name="Diamond 136"/>
+            <p:cNvSpPr/>
+            <p:nvPr/>
+          </p:nvSpPr>
+          <p:spPr>
+            <a:xfrm>
+              <a:off x="4640239" y="5036024"/>
+              <a:ext cx="1828800" cy="685800"/>
+            </a:xfrm>
+            <a:prstGeom prst="diamond">
+              <a:avLst/>
+            </a:prstGeom>
+            <a:ln/>
+          </p:spPr>
+          <p:style>
+            <a:lnRef idx="1">
+              <a:schemeClr val="accent1"/>
+            </a:lnRef>
+            <a:fillRef idx="3">
+              <a:schemeClr val="accent1"/>
+            </a:fillRef>
+            <a:effectRef idx="2">
+              <a:schemeClr val="accent1"/>
+            </a:effectRef>
+            <a:fontRef idx="minor">
+              <a:schemeClr val="lt1"/>
+            </a:fontRef>
+          </p:style>
+          <p:txBody>
+            <a:bodyPr wrap="square">
+              <a:noAutofit/>
+            </a:bodyPr>
+            <a:lstStyle/>
+            <a:p>
+              <a:pPr marL="0" marR="0" algn="ctr">
+                <a:spcBef>
+                  <a:spcPts val="0"/>
+                </a:spcBef>
+                <a:spcAft>
+                  <a:spcPts val="0"/>
+                </a:spcAft>
+              </a:pPr>
+              <a:r>
+                <a:rPr lang="en-US" sz="1000">
+                  <a:effectLst/>
+                  <a:ea typeface="MS Mincho" panose="02020609040205080304" pitchFamily="49" charset="-128"/>
+                  <a:cs typeface="Times New Roman" panose="02020603050405020304" pitchFamily="18" charset="0"/>
+                </a:rPr>
+                <a:t>Enrolled</a:t>
+              </a:r>
+              <a:endParaRPr lang="en-US" sz="1200">
+                <a:effectLst/>
+                <a:ea typeface="MS Mincho" panose="02020609040205080304" pitchFamily="49" charset="-128"/>
+                <a:cs typeface="Times New Roman" panose="02020603050405020304" pitchFamily="18" charset="0"/>
+              </a:endParaRPr>
+            </a:p>
+          </p:txBody>
+        </p:sp>
+      </p:grpSp>
+      <p:sp>
+        <p:nvSpPr>
+          <p:cNvPr id="139" name="TextBox 138"/>
+          <p:cNvSpPr txBox="1"/>
+          <p:nvPr/>
+        </p:nvSpPr>
         <p:spPr>
           <a:xfrm>
-            <a:off x="6544424" y="2812764"/>
-            <a:ext cx="4754562" cy="1835436"/>
+            <a:off x="8276486" y="2887073"/>
+            <a:ext cx="261560" cy="369332"/>
           </a:xfrm>
           <a:prstGeom prst="rect">
             <a:avLst/>
           </a:prstGeom>
+          <a:noFill/>
         </p:spPr>
-      </p:pic>
+        <p:txBody>
+          <a:bodyPr wrap="square" rtlCol="0">
+            <a:spAutoFit/>
+          </a:bodyPr>
+          <a:lstStyle/>
+          <a:p>
+            <a:r>
+              <a:rPr lang="en-US" dirty="0" smtClean="0"/>
+              <a:t>1</a:t>
+            </a:r>
+            <a:endParaRPr lang="en-US" dirty="0"/>
+          </a:p>
+        </p:txBody>
+      </p:sp>
+      <p:sp>
+        <p:nvSpPr>
+          <p:cNvPr id="140" name="TextBox 139"/>
+          <p:cNvSpPr txBox="1"/>
+          <p:nvPr/>
+        </p:nvSpPr>
+        <p:spPr>
+          <a:xfrm>
+            <a:off x="3643369" y="2862704"/>
+            <a:ext cx="261560" cy="369332"/>
+          </a:xfrm>
+          <a:prstGeom prst="rect">
+            <a:avLst/>
+          </a:prstGeom>
+          <a:noFill/>
+        </p:spPr>
+        <p:txBody>
+          <a:bodyPr wrap="square" rtlCol="0">
+            <a:spAutoFit/>
+          </a:bodyPr>
+          <a:lstStyle/>
+          <a:p>
+            <a:r>
+              <a:rPr lang="en-US" dirty="0" smtClean="0"/>
+              <a:t>1</a:t>
+            </a:r>
+            <a:endParaRPr lang="en-US" dirty="0"/>
+          </a:p>
+        </p:txBody>
+      </p:sp>
+      <p:sp>
+        <p:nvSpPr>
+          <p:cNvPr id="141" name="TextBox 140"/>
+          <p:cNvSpPr txBox="1"/>
+          <p:nvPr/>
+        </p:nvSpPr>
+        <p:spPr>
+          <a:xfrm>
+            <a:off x="2210206" y="5916205"/>
+            <a:ext cx="261560" cy="369332"/>
+          </a:xfrm>
+          <a:prstGeom prst="rect">
+            <a:avLst/>
+          </a:prstGeom>
+          <a:noFill/>
+        </p:spPr>
+        <p:txBody>
+          <a:bodyPr wrap="square" rtlCol="0">
+            <a:spAutoFit/>
+          </a:bodyPr>
+          <a:lstStyle/>
+          <a:p>
+            <a:r>
+              <a:rPr lang="en-US" dirty="0" smtClean="0"/>
+              <a:t>1</a:t>
+            </a:r>
+            <a:endParaRPr lang="en-US" dirty="0"/>
+          </a:p>
+        </p:txBody>
+      </p:sp>
+      <p:sp>
+        <p:nvSpPr>
+          <p:cNvPr id="142" name="TextBox 141"/>
+          <p:cNvSpPr txBox="1"/>
+          <p:nvPr/>
+        </p:nvSpPr>
+        <p:spPr>
+          <a:xfrm>
+            <a:off x="9163945" y="3046546"/>
+            <a:ext cx="261560" cy="369332"/>
+          </a:xfrm>
+          <a:prstGeom prst="rect">
+            <a:avLst/>
+          </a:prstGeom>
+          <a:noFill/>
+        </p:spPr>
+        <p:txBody>
+          <a:bodyPr wrap="square" rtlCol="0">
+            <a:spAutoFit/>
+          </a:bodyPr>
+          <a:lstStyle/>
+          <a:p>
+            <a:r>
+              <a:rPr lang="en-US" dirty="0" smtClean="0"/>
+              <a:t>1</a:t>
+            </a:r>
+            <a:endParaRPr lang="en-US" dirty="0"/>
+          </a:p>
+        </p:txBody>
+      </p:sp>
+      <p:sp>
+        <p:nvSpPr>
+          <p:cNvPr id="143" name="TextBox 142"/>
+          <p:cNvSpPr txBox="1"/>
+          <p:nvPr/>
+        </p:nvSpPr>
+        <p:spPr>
+          <a:xfrm>
+            <a:off x="9089696" y="4088024"/>
+            <a:ext cx="261560" cy="369332"/>
+          </a:xfrm>
+          <a:prstGeom prst="rect">
+            <a:avLst/>
+          </a:prstGeom>
+          <a:noFill/>
+        </p:spPr>
+        <p:txBody>
+          <a:bodyPr wrap="square" rtlCol="0">
+            <a:spAutoFit/>
+          </a:bodyPr>
+          <a:lstStyle/>
+          <a:p>
+            <a:r>
+              <a:rPr lang="en-US" dirty="0" smtClean="0"/>
+              <a:t>1</a:t>
+            </a:r>
+            <a:endParaRPr lang="en-US" dirty="0"/>
+          </a:p>
+        </p:txBody>
+      </p:sp>
+      <p:sp>
+        <p:nvSpPr>
+          <p:cNvPr id="144" name="TextBox 143"/>
+          <p:cNvSpPr txBox="1"/>
+          <p:nvPr/>
+        </p:nvSpPr>
+        <p:spPr>
+          <a:xfrm>
+            <a:off x="4142837" y="4516548"/>
+            <a:ext cx="498216" cy="307777"/>
+          </a:xfrm>
+          <a:prstGeom prst="rect">
+            <a:avLst/>
+          </a:prstGeom>
+          <a:noFill/>
+        </p:spPr>
+        <p:txBody>
+          <a:bodyPr wrap="square" rtlCol="0">
+            <a:spAutoFit/>
+          </a:bodyPr>
+          <a:lstStyle/>
+          <a:p>
+            <a:r>
+              <a:rPr lang="en-US" sz="1400" dirty="0" smtClean="0"/>
+              <a:t>M</a:t>
+            </a:r>
+            <a:endParaRPr lang="en-US" sz="1400" dirty="0"/>
+          </a:p>
+        </p:txBody>
+      </p:sp>
+      <p:sp>
+        <p:nvSpPr>
+          <p:cNvPr id="145" name="TextBox 144"/>
+          <p:cNvSpPr txBox="1"/>
+          <p:nvPr/>
+        </p:nvSpPr>
+        <p:spPr>
+          <a:xfrm>
+            <a:off x="4374273" y="4196395"/>
+            <a:ext cx="498216" cy="307777"/>
+          </a:xfrm>
+          <a:prstGeom prst="rect">
+            <a:avLst/>
+          </a:prstGeom>
+          <a:noFill/>
+        </p:spPr>
+        <p:txBody>
+          <a:bodyPr wrap="square" rtlCol="0">
+            <a:spAutoFit/>
+          </a:bodyPr>
+          <a:lstStyle/>
+          <a:p>
+            <a:r>
+              <a:rPr lang="en-US" sz="1400" dirty="0" smtClean="0"/>
+              <a:t>M</a:t>
+            </a:r>
+            <a:endParaRPr lang="en-US" sz="1400" dirty="0"/>
+          </a:p>
+        </p:txBody>
+      </p:sp>
+      <p:sp>
+        <p:nvSpPr>
+          <p:cNvPr id="146" name="TextBox 145"/>
+          <p:cNvSpPr txBox="1"/>
+          <p:nvPr/>
+        </p:nvSpPr>
+        <p:spPr>
+          <a:xfrm>
+            <a:off x="3702233" y="6227444"/>
+            <a:ext cx="498216" cy="307777"/>
+          </a:xfrm>
+          <a:prstGeom prst="rect">
+            <a:avLst/>
+          </a:prstGeom>
+          <a:noFill/>
+        </p:spPr>
+        <p:txBody>
+          <a:bodyPr wrap="square" rtlCol="0">
+            <a:spAutoFit/>
+          </a:bodyPr>
+          <a:lstStyle/>
+          <a:p>
+            <a:r>
+              <a:rPr lang="en-US" sz="1400" dirty="0" smtClean="0"/>
+              <a:t>M</a:t>
+            </a:r>
+            <a:endParaRPr lang="en-US" sz="1400" dirty="0"/>
+          </a:p>
+        </p:txBody>
+      </p:sp>
+      <p:sp>
+        <p:nvSpPr>
+          <p:cNvPr id="147" name="TextBox 146"/>
+          <p:cNvSpPr txBox="1"/>
+          <p:nvPr/>
+        </p:nvSpPr>
+        <p:spPr>
+          <a:xfrm>
+            <a:off x="2091512" y="3013126"/>
+            <a:ext cx="498216" cy="307777"/>
+          </a:xfrm>
+          <a:prstGeom prst="rect">
+            <a:avLst/>
+          </a:prstGeom>
+          <a:noFill/>
+        </p:spPr>
+        <p:txBody>
+          <a:bodyPr wrap="square" rtlCol="0">
+            <a:spAutoFit/>
+          </a:bodyPr>
+          <a:lstStyle/>
+          <a:p>
+            <a:r>
+              <a:rPr lang="en-US" sz="1400" dirty="0" smtClean="0"/>
+              <a:t>M</a:t>
+            </a:r>
+            <a:endParaRPr lang="en-US" sz="1400" dirty="0"/>
+          </a:p>
+        </p:txBody>
+      </p:sp>
     </p:spTree>
     <p:extLst>
       <p:ext uri="{BB962C8B-B14F-4D97-AF65-F5344CB8AC3E}">
-        <p14:creationId xmlns:p14="http://schemas.microsoft.com/office/powerpoint/2010/main" val="3325023793"/>
+        <p14:creationId xmlns:p14="http://schemas.microsoft.com/office/powerpoint/2010/main" val="1873880765"/>
       </p:ext>
     </p:extLst>
   </p:cSld>
   <p:clrMapOvr>
     <a:masterClrMapping/>
   </p:clrMapOvr>
-  <p:timing>
-    <p:tnLst>
-      <p:par>
-        <p:cTn id="1" dur="indefinite" restart="never" nodeType="tmRoot"/>
-      </p:par>
-    </p:tnLst>
-  </p:timing>
 </p:sld>
 </file>
 
@@ -3739,7 +7410,7 @@
           <a:p>
             <a:r>
               <a:rPr lang="en-US" dirty="0" smtClean="0"/>
-              <a:t>Euclid vs. Moodle</a:t>
+              <a:t>Schemas</a:t>
             </a:r>
             <a:endParaRPr lang="en-US" dirty="0"/>
           </a:p>
@@ -3752,7 +7423,7 @@
             <a:spLocks noGrp="1"/>
           </p:cNvSpPr>
           <p:nvPr>
-            <p:ph sz="half" idx="1"/>
+            <p:ph idx="1"/>
           </p:nvPr>
         </p:nvSpPr>
         <p:spPr/>
@@ -3760,104 +7431,208 @@
           <a:bodyPr/>
           <a:lstStyle/>
           <a:p>
-            <a:pPr marL="0" indent="0" algn="ctr">
-              <a:buNone/>
-            </a:pPr>
-            <a:r>
-              <a:rPr lang="en-US" b="1" dirty="0" smtClean="0"/>
-              <a:t>Euclid</a:t>
-            </a:r>
-          </a:p>
-          <a:p>
-            <a:pPr marL="0" indent="0" algn="ctr">
-              <a:buNone/>
-            </a:pPr>
-            <a:endParaRPr lang="en-US" b="1" dirty="0"/>
-          </a:p>
-          <a:p>
-            <a:r>
-              <a:rPr lang="en-US" b="1" dirty="0" smtClean="0"/>
-              <a:t>Allows professors to create assignments and students to add submissions</a:t>
-            </a:r>
-          </a:p>
-          <a:p>
-            <a:r>
-              <a:rPr lang="en-US" b="1" dirty="0" smtClean="0"/>
-              <a:t>Allows group assignments to be uploaded</a:t>
-            </a:r>
-          </a:p>
-          <a:p>
-            <a:r>
-              <a:rPr lang="en-US" b="1" dirty="0" smtClean="0"/>
-              <a:t>Does not allow professor to upload course-related documents</a:t>
-            </a:r>
-            <a:endParaRPr lang="en-US" b="1" dirty="0"/>
-          </a:p>
-        </p:txBody>
-      </p:sp>
-      <p:sp>
-        <p:nvSpPr>
-          <p:cNvPr id="4" name="Content Placeholder 3"/>
-          <p:cNvSpPr>
-            <a:spLocks noGrp="1"/>
-          </p:cNvSpPr>
-          <p:nvPr>
-            <p:ph sz="half" idx="2"/>
-          </p:nvPr>
-        </p:nvSpPr>
-        <p:spPr/>
-        <p:txBody>
-          <a:bodyPr/>
-          <a:lstStyle/>
-          <a:p>
-            <a:pPr marL="0" indent="0" algn="ctr">
-              <a:buNone/>
-            </a:pPr>
-            <a:r>
-              <a:rPr lang="en-US" b="1" dirty="0" smtClean="0"/>
-              <a:t>Moodle</a:t>
-            </a:r>
-            <a:endParaRPr lang="en-US" b="1" dirty="0"/>
-          </a:p>
-          <a:p>
-            <a:pPr marL="0" indent="0" algn="ctr">
-              <a:buNone/>
-            </a:pPr>
-            <a:endParaRPr lang="en-US" b="1" dirty="0"/>
-          </a:p>
-          <a:p>
-            <a:r>
-              <a:rPr lang="en-US" b="1" dirty="0"/>
-              <a:t>Allows professors to create assignments and students to add submissions</a:t>
-            </a:r>
-          </a:p>
-          <a:p>
-            <a:r>
-              <a:rPr lang="en-US" b="1" dirty="0" smtClean="0"/>
-              <a:t>Does not allow </a:t>
-            </a:r>
-            <a:r>
-              <a:rPr lang="en-US" b="1" dirty="0"/>
-              <a:t>group assignments to be uploaded</a:t>
-            </a:r>
-          </a:p>
-          <a:p>
-            <a:r>
-              <a:rPr lang="en-US" b="1" dirty="0" smtClean="0"/>
-              <a:t>Allows </a:t>
-            </a:r>
-            <a:r>
-              <a:rPr lang="en-US" b="1" dirty="0"/>
-              <a:t>professor to upload course-related documents</a:t>
-            </a:r>
-            <a:endParaRPr lang="en-US" b="1" dirty="0"/>
+            <a:r>
+              <a:rPr lang="en-US" dirty="0" smtClean="0"/>
+              <a:t>Student (</a:t>
+            </a:r>
+            <a:r>
+              <a:rPr lang="en-US" u="sng" dirty="0" err="1" smtClean="0"/>
+              <a:t>student_id</a:t>
+            </a:r>
+            <a:r>
+              <a:rPr lang="en-US" dirty="0" smtClean="0"/>
+              <a:t>, name, email, major)</a:t>
+            </a:r>
+            <a:endParaRPr lang="en-US" u="sng" dirty="0" smtClean="0"/>
+          </a:p>
+          <a:p>
+            <a:r>
+              <a:rPr lang="en-US" dirty="0" smtClean="0"/>
+              <a:t>Professor (</a:t>
+            </a:r>
+            <a:r>
+              <a:rPr lang="en-US" u="sng" dirty="0" err="1" smtClean="0"/>
+              <a:t>prof_id</a:t>
+            </a:r>
+            <a:r>
+              <a:rPr lang="en-US" dirty="0" smtClean="0"/>
+              <a:t>, email, name)</a:t>
+            </a:r>
+          </a:p>
+          <a:p>
+            <a:r>
+              <a:rPr lang="en-US" dirty="0" smtClean="0"/>
+              <a:t>Course </a:t>
+            </a:r>
+            <a:r>
+              <a:rPr lang="en-US" dirty="0"/>
+              <a:t>(</a:t>
+            </a:r>
+            <a:r>
+              <a:rPr lang="en-US" u="sng" dirty="0"/>
+              <a:t>listing</a:t>
+            </a:r>
+            <a:r>
+              <a:rPr lang="en-US" dirty="0"/>
+              <a:t>,  name, </a:t>
+            </a:r>
+            <a:r>
+              <a:rPr lang="en-US" dirty="0" err="1"/>
+              <a:t>teacher_id</a:t>
+            </a:r>
+            <a:r>
+              <a:rPr lang="en-US" dirty="0" smtClean="0"/>
+              <a:t>)</a:t>
+            </a:r>
+            <a:endParaRPr lang="en-US" dirty="0"/>
+          </a:p>
+          <a:p>
+            <a:r>
+              <a:rPr lang="en-US" dirty="0" smtClean="0"/>
+              <a:t>Submission (</a:t>
+            </a:r>
+            <a:r>
+              <a:rPr lang="en-US" u="sng" dirty="0" err="1" smtClean="0"/>
+              <a:t>assignment_id</a:t>
+            </a:r>
+            <a:r>
+              <a:rPr lang="en-US" dirty="0" smtClean="0"/>
+              <a:t>, </a:t>
+            </a:r>
+            <a:r>
+              <a:rPr lang="en-US" u="sng" dirty="0" err="1" smtClean="0"/>
+              <a:t>group_id</a:t>
+            </a:r>
+            <a:r>
+              <a:rPr lang="en-US" dirty="0" smtClean="0"/>
+              <a:t>, </a:t>
+            </a:r>
+            <a:r>
+              <a:rPr lang="en-US" dirty="0" err="1" smtClean="0"/>
+              <a:t>file_path</a:t>
+            </a:r>
+            <a:r>
+              <a:rPr lang="en-US" dirty="0" smtClean="0"/>
+              <a:t>, comments, </a:t>
+            </a:r>
+            <a:r>
+              <a:rPr lang="en-US" dirty="0" err="1" smtClean="0"/>
+              <a:t>submission_date</a:t>
+            </a:r>
+            <a:r>
+              <a:rPr lang="en-US" dirty="0" smtClean="0"/>
+              <a:t>)</a:t>
+            </a:r>
+            <a:endParaRPr lang="en-US" u="sng" dirty="0" smtClean="0"/>
+          </a:p>
+          <a:p>
+            <a:r>
+              <a:rPr lang="en-US" dirty="0" smtClean="0"/>
+              <a:t>Assignment (</a:t>
+            </a:r>
+            <a:r>
+              <a:rPr lang="en-US" u="sng" dirty="0" err="1" smtClean="0"/>
+              <a:t>assignment_id</a:t>
+            </a:r>
+            <a:r>
+              <a:rPr lang="en-US" dirty="0" smtClean="0"/>
+              <a:t>, </a:t>
+            </a:r>
+            <a:r>
+              <a:rPr lang="en-US" dirty="0" err="1" smtClean="0"/>
+              <a:t>course_id</a:t>
+            </a:r>
+            <a:r>
+              <a:rPr lang="en-US" dirty="0" smtClean="0"/>
+              <a:t>, name, weight, description, </a:t>
+            </a:r>
+            <a:r>
+              <a:rPr lang="en-US" dirty="0" err="1" smtClean="0"/>
+              <a:t>max_points</a:t>
+            </a:r>
+            <a:r>
+              <a:rPr lang="en-US" dirty="0" smtClean="0"/>
+              <a:t>, 		</a:t>
+            </a:r>
+            <a:r>
+              <a:rPr lang="en-US" dirty="0" err="1" smtClean="0"/>
+              <a:t>due_date</a:t>
+            </a:r>
+            <a:r>
+              <a:rPr lang="en-US" dirty="0" smtClean="0"/>
+              <a:t>)</a:t>
+            </a:r>
+          </a:p>
+          <a:p>
+            <a:r>
+              <a:rPr lang="en-US" dirty="0" smtClean="0"/>
+              <a:t>Group (</a:t>
+            </a:r>
+            <a:r>
+              <a:rPr lang="en-US" u="sng" dirty="0" err="1" smtClean="0"/>
+              <a:t>group</a:t>
+            </a:r>
+            <a:r>
+              <a:rPr lang="en-US" dirty="0" err="1" smtClean="0"/>
+              <a:t>_</a:t>
+            </a:r>
+            <a:r>
+              <a:rPr lang="en-US" u="sng" dirty="0" err="1" smtClean="0"/>
+              <a:t>id</a:t>
+            </a:r>
+            <a:r>
+              <a:rPr lang="en-US" dirty="0" smtClean="0"/>
+              <a:t>)</a:t>
+            </a:r>
+          </a:p>
+          <a:p>
+            <a:r>
+              <a:rPr lang="en-US" dirty="0" err="1" smtClean="0"/>
+              <a:t>Group_Member</a:t>
+            </a:r>
+            <a:r>
+              <a:rPr lang="en-US" dirty="0" smtClean="0"/>
+              <a:t> (</a:t>
+            </a:r>
+            <a:r>
+              <a:rPr lang="en-US" u="sng" dirty="0" err="1" smtClean="0"/>
+              <a:t>group</a:t>
+            </a:r>
+            <a:r>
+              <a:rPr lang="en-US" dirty="0" err="1" smtClean="0"/>
+              <a:t>_</a:t>
+            </a:r>
+            <a:r>
+              <a:rPr lang="en-US" u="sng" dirty="0" err="1" smtClean="0"/>
+              <a:t>id</a:t>
+            </a:r>
+            <a:r>
+              <a:rPr lang="en-US" dirty="0" smtClean="0"/>
+              <a:t>, </a:t>
+            </a:r>
+            <a:r>
+              <a:rPr lang="en-US" u="sng" dirty="0" err="1" smtClean="0"/>
+              <a:t>student</a:t>
+            </a:r>
+            <a:r>
+              <a:rPr lang="en-US" dirty="0" err="1" smtClean="0"/>
+              <a:t>_</a:t>
+            </a:r>
+            <a:r>
+              <a:rPr lang="en-US" u="sng" dirty="0" err="1" smtClean="0"/>
+              <a:t>id</a:t>
+            </a:r>
+            <a:r>
+              <a:rPr lang="en-US" dirty="0" smtClean="0"/>
+              <a:t>)</a:t>
+            </a:r>
           </a:p>
         </p:txBody>
       </p:sp>
     </p:spTree>
     <p:extLst>
       <p:ext uri="{BB962C8B-B14F-4D97-AF65-F5344CB8AC3E}">
-        <p14:creationId xmlns:p14="http://schemas.microsoft.com/office/powerpoint/2010/main" val="3382845139"/>
+        <p14:creationId xmlns:p14="http://schemas.microsoft.com/office/powerpoint/2010/main" val="1986675914"/>
       </p:ext>
     </p:extLst>
   </p:cSld>
@@ -3871,6 +7646,432 @@
       </p:par>
     </p:tnLst>
   </p:timing>
+</p:sld>
+</file>
+
+<file path=ppt/slides/slide6.xml><?xml version="1.0" encoding="utf-8"?>
+<p:sld xmlns:a="http://schemas.openxmlformats.org/drawingml/2006/main" xmlns:r="http://schemas.openxmlformats.org/officeDocument/2006/relationships" xmlns:p="http://schemas.openxmlformats.org/presentationml/2006/main">
+  <p:cSld>
+    <p:spTree>
+      <p:nvGrpSpPr>
+        <p:cNvPr id="1" name=""/>
+        <p:cNvGrpSpPr/>
+        <p:nvPr/>
+      </p:nvGrpSpPr>
+      <p:grpSpPr>
+        <a:xfrm>
+          <a:off x="0" y="0"/>
+          <a:ext cx="0" cy="0"/>
+          <a:chOff x="0" y="0"/>
+          <a:chExt cx="0" cy="0"/>
+        </a:xfrm>
+      </p:grpSpPr>
+      <p:sp>
+        <p:nvSpPr>
+          <p:cNvPr id="2" name="Title 1"/>
+          <p:cNvSpPr>
+            <a:spLocks noGrp="1"/>
+          </p:cNvSpPr>
+          <p:nvPr>
+            <p:ph type="title"/>
+          </p:nvPr>
+        </p:nvSpPr>
+        <p:spPr/>
+        <p:txBody>
+          <a:bodyPr/>
+          <a:lstStyle/>
+          <a:p>
+            <a:r>
+              <a:rPr lang="en-US" dirty="0" smtClean="0"/>
+              <a:t>Tables</a:t>
+            </a:r>
+            <a:endParaRPr lang="en-US" dirty="0"/>
+          </a:p>
+        </p:txBody>
+      </p:sp>
+      <p:pic>
+        <p:nvPicPr>
+          <p:cNvPr id="3" name="Picture 2"/>
+          <p:cNvPicPr>
+            <a:picLocks noChangeAspect="1"/>
+          </p:cNvPicPr>
+          <p:nvPr/>
+        </p:nvPicPr>
+        <p:blipFill>
+          <a:blip r:embed="rId2"/>
+          <a:stretch>
+            <a:fillRect/>
+          </a:stretch>
+        </p:blipFill>
+        <p:spPr>
+          <a:xfrm>
+            <a:off x="1061949" y="2067249"/>
+            <a:ext cx="9925050" cy="1438275"/>
+          </a:xfrm>
+          <a:prstGeom prst="rect">
+            <a:avLst/>
+          </a:prstGeom>
+        </p:spPr>
+      </p:pic>
+      <p:pic>
+        <p:nvPicPr>
+          <p:cNvPr id="4" name="Picture 3"/>
+          <p:cNvPicPr>
+            <a:picLocks noChangeAspect="1"/>
+          </p:cNvPicPr>
+          <p:nvPr/>
+        </p:nvPicPr>
+        <p:blipFill>
+          <a:blip r:embed="rId3"/>
+          <a:stretch>
+            <a:fillRect/>
+          </a:stretch>
+        </p:blipFill>
+        <p:spPr>
+          <a:xfrm>
+            <a:off x="1056234" y="3779837"/>
+            <a:ext cx="5038725" cy="2924175"/>
+          </a:xfrm>
+          <a:prstGeom prst="rect">
+            <a:avLst/>
+          </a:prstGeom>
+        </p:spPr>
+      </p:pic>
+      <p:pic>
+        <p:nvPicPr>
+          <p:cNvPr id="5" name="Picture 4"/>
+          <p:cNvPicPr>
+            <a:picLocks noChangeAspect="1"/>
+          </p:cNvPicPr>
+          <p:nvPr/>
+        </p:nvPicPr>
+        <p:blipFill>
+          <a:blip r:embed="rId4"/>
+          <a:stretch>
+            <a:fillRect/>
+          </a:stretch>
+        </p:blipFill>
+        <p:spPr>
+          <a:xfrm>
+            <a:off x="6342062" y="3779837"/>
+            <a:ext cx="3648075" cy="1676400"/>
+          </a:xfrm>
+          <a:prstGeom prst="rect">
+            <a:avLst/>
+          </a:prstGeom>
+        </p:spPr>
+      </p:pic>
+    </p:spTree>
+    <p:extLst>
+      <p:ext uri="{BB962C8B-B14F-4D97-AF65-F5344CB8AC3E}">
+        <p14:creationId xmlns:p14="http://schemas.microsoft.com/office/powerpoint/2010/main" val="1606793039"/>
+      </p:ext>
+    </p:extLst>
+  </p:cSld>
+  <p:clrMapOvr>
+    <a:masterClrMapping/>
+  </p:clrMapOvr>
+  <p:timing>
+    <p:tnLst>
+      <p:par>
+        <p:cTn id="1" dur="indefinite" restart="never" nodeType="tmRoot"/>
+      </p:par>
+    </p:tnLst>
+  </p:timing>
+</p:sld>
+</file>
+
+<file path=ppt/slides/slide7.xml><?xml version="1.0" encoding="utf-8"?>
+<p:sld xmlns:a="http://schemas.openxmlformats.org/drawingml/2006/main" xmlns:r="http://schemas.openxmlformats.org/officeDocument/2006/relationships" xmlns:p="http://schemas.openxmlformats.org/presentationml/2006/main">
+  <p:cSld>
+    <p:spTree>
+      <p:nvGrpSpPr>
+        <p:cNvPr id="1" name=""/>
+        <p:cNvGrpSpPr/>
+        <p:nvPr/>
+      </p:nvGrpSpPr>
+      <p:grpSpPr>
+        <a:xfrm>
+          <a:off x="0" y="0"/>
+          <a:ext cx="0" cy="0"/>
+          <a:chOff x="0" y="0"/>
+          <a:chExt cx="0" cy="0"/>
+        </a:xfrm>
+      </p:grpSpPr>
+      <p:sp>
+        <p:nvSpPr>
+          <p:cNvPr id="2" name="Title 1"/>
+          <p:cNvSpPr>
+            <a:spLocks noGrp="1"/>
+          </p:cNvSpPr>
+          <p:nvPr>
+            <p:ph type="title"/>
+          </p:nvPr>
+        </p:nvSpPr>
+        <p:spPr/>
+        <p:txBody>
+          <a:bodyPr/>
+          <a:lstStyle/>
+          <a:p>
+            <a:r>
+              <a:rPr lang="en-US" dirty="0" smtClean="0"/>
+              <a:t>Queries</a:t>
+            </a:r>
+            <a:endParaRPr lang="en-US" dirty="0"/>
+          </a:p>
+        </p:txBody>
+      </p:sp>
+      <p:pic>
+        <p:nvPicPr>
+          <p:cNvPr id="3" name="Picture 2"/>
+          <p:cNvPicPr>
+            <a:picLocks noChangeAspect="1"/>
+          </p:cNvPicPr>
+          <p:nvPr/>
+        </p:nvPicPr>
+        <p:blipFill>
+          <a:blip r:embed="rId2">
+            <a:extLst>
+              <a:ext uri="{28A0092B-C50C-407E-A947-70E740481C1C}">
+                <a14:useLocalDpi xmlns:a14="http://schemas.microsoft.com/office/drawing/2010/main" val="0"/>
+              </a:ext>
+            </a:extLst>
+          </a:blip>
+          <a:stretch>
+            <a:fillRect/>
+          </a:stretch>
+        </p:blipFill>
+        <p:spPr>
+          <a:xfrm>
+            <a:off x="227994" y="2040589"/>
+            <a:ext cx="11773505" cy="2247094"/>
+          </a:xfrm>
+          <a:prstGeom prst="rect">
+            <a:avLst/>
+          </a:prstGeom>
+        </p:spPr>
+      </p:pic>
+      <p:pic>
+        <p:nvPicPr>
+          <p:cNvPr id="6" name="Picture 5"/>
+          <p:cNvPicPr>
+            <a:picLocks noChangeAspect="1"/>
+          </p:cNvPicPr>
+          <p:nvPr/>
+        </p:nvPicPr>
+        <p:blipFill>
+          <a:blip r:embed="rId3">
+            <a:extLst>
+              <a:ext uri="{28A0092B-C50C-407E-A947-70E740481C1C}">
+                <a14:useLocalDpi xmlns:a14="http://schemas.microsoft.com/office/drawing/2010/main" val="0"/>
+              </a:ext>
+            </a:extLst>
+          </a:blip>
+          <a:stretch>
+            <a:fillRect/>
+          </a:stretch>
+        </p:blipFill>
+        <p:spPr>
+          <a:xfrm>
+            <a:off x="227995" y="4491821"/>
+            <a:ext cx="11773505" cy="2222614"/>
+          </a:xfrm>
+          <a:prstGeom prst="rect">
+            <a:avLst/>
+          </a:prstGeom>
+        </p:spPr>
+      </p:pic>
+    </p:spTree>
+    <p:extLst>
+      <p:ext uri="{BB962C8B-B14F-4D97-AF65-F5344CB8AC3E}">
+        <p14:creationId xmlns:p14="http://schemas.microsoft.com/office/powerpoint/2010/main" val="368294331"/>
+      </p:ext>
+    </p:extLst>
+  </p:cSld>
+  <p:clrMapOvr>
+    <a:masterClrMapping/>
+  </p:clrMapOvr>
+  <p:timing>
+    <p:tnLst>
+      <p:par>
+        <p:cTn id="1" dur="indefinite" restart="never" nodeType="tmRoot"/>
+      </p:par>
+    </p:tnLst>
+  </p:timing>
+</p:sld>
+</file>
+
+<file path=ppt/slides/slide8.xml><?xml version="1.0" encoding="utf-8"?>
+<p:sld xmlns:a="http://schemas.openxmlformats.org/drawingml/2006/main" xmlns:r="http://schemas.openxmlformats.org/officeDocument/2006/relationships" xmlns:p="http://schemas.openxmlformats.org/presentationml/2006/main">
+  <p:cSld>
+    <p:spTree>
+      <p:nvGrpSpPr>
+        <p:cNvPr id="1" name=""/>
+        <p:cNvGrpSpPr/>
+        <p:nvPr/>
+      </p:nvGrpSpPr>
+      <p:grpSpPr>
+        <a:xfrm>
+          <a:off x="0" y="0"/>
+          <a:ext cx="0" cy="0"/>
+          <a:chOff x="0" y="0"/>
+          <a:chExt cx="0" cy="0"/>
+        </a:xfrm>
+      </p:grpSpPr>
+      <p:sp>
+        <p:nvSpPr>
+          <p:cNvPr id="2" name="Title 1"/>
+          <p:cNvSpPr>
+            <a:spLocks noGrp="1"/>
+          </p:cNvSpPr>
+          <p:nvPr>
+            <p:ph type="title"/>
+          </p:nvPr>
+        </p:nvSpPr>
+        <p:spPr/>
+        <p:txBody>
+          <a:bodyPr/>
+          <a:lstStyle/>
+          <a:p>
+            <a:r>
+              <a:rPr lang="en-US" dirty="0" smtClean="0"/>
+              <a:t>Queries </a:t>
+            </a:r>
+            <a:r>
+              <a:rPr lang="en-US" sz="2400" i="1" dirty="0" smtClean="0"/>
+              <a:t>cont.</a:t>
+            </a:r>
+            <a:endParaRPr lang="en-US" dirty="0"/>
+          </a:p>
+        </p:txBody>
+      </p:sp>
+      <p:pic>
+        <p:nvPicPr>
+          <p:cNvPr id="3" name="Picture 2"/>
+          <p:cNvPicPr>
+            <a:picLocks noChangeAspect="1"/>
+          </p:cNvPicPr>
+          <p:nvPr/>
+        </p:nvPicPr>
+        <p:blipFill>
+          <a:blip r:embed="rId2">
+            <a:extLst>
+              <a:ext uri="{28A0092B-C50C-407E-A947-70E740481C1C}">
+                <a14:useLocalDpi xmlns:a14="http://schemas.microsoft.com/office/drawing/2010/main" val="0"/>
+              </a:ext>
+            </a:extLst>
+          </a:blip>
+          <a:stretch>
+            <a:fillRect/>
+          </a:stretch>
+        </p:blipFill>
+        <p:spPr>
+          <a:xfrm>
+            <a:off x="2419186" y="2643888"/>
+            <a:ext cx="6388428" cy="3429176"/>
+          </a:xfrm>
+          <a:prstGeom prst="rect">
+            <a:avLst/>
+          </a:prstGeom>
+        </p:spPr>
+      </p:pic>
+    </p:spTree>
+    <p:extLst>
+      <p:ext uri="{BB962C8B-B14F-4D97-AF65-F5344CB8AC3E}">
+        <p14:creationId xmlns:p14="http://schemas.microsoft.com/office/powerpoint/2010/main" val="644167962"/>
+      </p:ext>
+    </p:extLst>
+  </p:cSld>
+  <p:clrMapOvr>
+    <a:masterClrMapping/>
+  </p:clrMapOvr>
+</p:sld>
+</file>
+
+<file path=ppt/slides/slide9.xml><?xml version="1.0" encoding="utf-8"?>
+<p:sld xmlns:a="http://schemas.openxmlformats.org/drawingml/2006/main" xmlns:r="http://schemas.openxmlformats.org/officeDocument/2006/relationships" xmlns:p="http://schemas.openxmlformats.org/presentationml/2006/main">
+  <p:cSld>
+    <p:spTree>
+      <p:nvGrpSpPr>
+        <p:cNvPr id="1" name=""/>
+        <p:cNvGrpSpPr/>
+        <p:nvPr/>
+      </p:nvGrpSpPr>
+      <p:grpSpPr>
+        <a:xfrm>
+          <a:off x="0" y="0"/>
+          <a:ext cx="0" cy="0"/>
+          <a:chOff x="0" y="0"/>
+          <a:chExt cx="0" cy="0"/>
+        </a:xfrm>
+      </p:grpSpPr>
+      <p:sp>
+        <p:nvSpPr>
+          <p:cNvPr id="2" name="Title 1"/>
+          <p:cNvSpPr>
+            <a:spLocks noGrp="1"/>
+          </p:cNvSpPr>
+          <p:nvPr>
+            <p:ph type="title"/>
+          </p:nvPr>
+        </p:nvSpPr>
+        <p:spPr/>
+        <p:txBody>
+          <a:bodyPr/>
+          <a:lstStyle/>
+          <a:p>
+            <a:r>
+              <a:rPr lang="en-US" dirty="0" smtClean="0"/>
+              <a:t>Queries </a:t>
+            </a:r>
+            <a:r>
+              <a:rPr lang="en-US" sz="2400" i="1" dirty="0" smtClean="0"/>
+              <a:t>cont.</a:t>
+            </a:r>
+            <a:endParaRPr lang="en-US" dirty="0"/>
+          </a:p>
+        </p:txBody>
+      </p:sp>
+      <p:pic>
+        <p:nvPicPr>
+          <p:cNvPr id="5" name="Picture 4"/>
+          <p:cNvPicPr>
+            <a:picLocks noChangeAspect="1"/>
+          </p:cNvPicPr>
+          <p:nvPr/>
+        </p:nvPicPr>
+        <p:blipFill>
+          <a:blip r:embed="rId2">
+            <a:extLst>
+              <a:ext uri="{28A0092B-C50C-407E-A947-70E740481C1C}">
+                <a14:useLocalDpi xmlns:a14="http://schemas.microsoft.com/office/drawing/2010/main" val="0"/>
+              </a:ext>
+            </a:extLst>
+          </a:blip>
+          <a:stretch>
+            <a:fillRect/>
+          </a:stretch>
+        </p:blipFill>
+        <p:spPr>
+          <a:xfrm>
+            <a:off x="455869" y="2762200"/>
+            <a:ext cx="11278180" cy="1917799"/>
+          </a:xfrm>
+          <a:prstGeom prst="rect">
+            <a:avLst/>
+          </a:prstGeom>
+        </p:spPr>
+      </p:pic>
+    </p:spTree>
+    <p:extLst>
+      <p:ext uri="{BB962C8B-B14F-4D97-AF65-F5344CB8AC3E}">
+        <p14:creationId xmlns:p14="http://schemas.microsoft.com/office/powerpoint/2010/main" val="3284535313"/>
+      </p:ext>
+    </p:extLst>
+  </p:cSld>
+  <p:clrMapOvr>
+    <a:masterClrMapping/>
+  </p:clrMapOvr>
 </p:sld>
 </file>
 
